--- a/CastReporting.Reporting.Core/Templates/zh-Hans/Application/Component library/Generic Table Definition.pptx
+++ b/CastReporting.Reporting.Core/Templates/zh-Hans/Application/Component library/Generic Table Definition.pptx
@@ -222,7 +222,7 @@
           <a:p>
             <a:fld id="{BE7CF963-E58D-FC4D-BA9E-60A980752DC6}" type="datetimeFigureOut">
               <a:rPr lang="en-US" smtClean="0"/>
-              <a:t>10/26/2021</a:t>
+              <a:t>2/20/2025</a:t>
             </a:fld>
             <a:endParaRPr lang="en-US"/>
           </a:p>
@@ -879,7 +879,7 @@
           <a:p>
             <a:fld id="{B590C078-9131-4E49-8A0D-400FEE8377B5}" type="datetimeFigureOut">
               <a:rPr lang="en-US" smtClean="0"/>
-              <a:t>10/26/2021</a:t>
+              <a:t>2/20/2025</a:t>
             </a:fld>
             <a:endParaRPr lang="en-US"/>
           </a:p>
@@ -1003,36 +1003,6 @@
           </a:p>
         </p:txBody>
       </p:sp>
-      <p:pic>
-        <p:nvPicPr>
-          <p:cNvPr id="11" name="Picture 10"/>
-          <p:cNvPicPr>
-            <a:picLocks noChangeAspect="1"/>
-          </p:cNvPicPr>
-          <p:nvPr userDrawn="1"/>
-        </p:nvPicPr>
-        <p:blipFill>
-          <a:blip r:embed="rId2">
-            <a:extLst>
-              <a:ext uri="{28A0092B-C50C-407E-A947-70E740481C1C}">
-                <a14:useLocalDpi xmlns:a14="http://schemas.microsoft.com/office/drawing/2010/main" val="0"/>
-              </a:ext>
-            </a:extLst>
-          </a:blip>
-          <a:stretch>
-            <a:fillRect/>
-          </a:stretch>
-        </p:blipFill>
-        <p:spPr>
-          <a:xfrm>
-            <a:off x="9578792" y="333532"/>
-            <a:ext cx="2003608" cy="247337"/>
-          </a:xfrm>
-          <a:prstGeom prst="rect">
-            <a:avLst/>
-          </a:prstGeom>
-        </p:spPr>
-      </p:pic>
       <p:sp>
         <p:nvSpPr>
           <p:cNvPr id="10" name="TextBox 9"/>
@@ -1213,6 +1183,36 @@
           </a:p>
         </p:txBody>
       </p:sp>
+      <p:pic>
+        <p:nvPicPr>
+          <p:cNvPr id="2" name="Picture 1">
+            <a:extLst>
+              <a:ext uri="{FF2B5EF4-FFF2-40B4-BE49-F238E27FC236}">
+                <a16:creationId xmlns:a16="http://schemas.microsoft.com/office/drawing/2014/main" id="{0981DA3F-F8DF-605D-0C79-3DAB5378B394}"/>
+              </a:ext>
+            </a:extLst>
+          </p:cNvPr>
+          <p:cNvPicPr>
+            <a:picLocks noChangeAspect="1"/>
+          </p:cNvPicPr>
+          <p:nvPr userDrawn="1"/>
+        </p:nvPicPr>
+        <p:blipFill>
+          <a:blip r:embed="rId2"/>
+          <a:stretch>
+            <a:fillRect/>
+          </a:stretch>
+        </p:blipFill>
+        <p:spPr>
+          <a:xfrm>
+            <a:off x="10503035" y="262669"/>
+            <a:ext cx="1079365" cy="380952"/>
+          </a:xfrm>
+          <a:prstGeom prst="rect">
+            <a:avLst/>
+          </a:prstGeom>
+        </p:spPr>
+      </p:pic>
     </p:spTree>
     <p:extLst>
       <p:ext uri="{BB962C8B-B14F-4D97-AF65-F5344CB8AC3E}">
@@ -1350,36 +1350,6 @@
           </a:p>
         </p:txBody>
       </p:sp>
-      <p:pic>
-        <p:nvPicPr>
-          <p:cNvPr id="11" name="Picture 10"/>
-          <p:cNvPicPr>
-            <a:picLocks noChangeAspect="1"/>
-          </p:cNvPicPr>
-          <p:nvPr userDrawn="1"/>
-        </p:nvPicPr>
-        <p:blipFill>
-          <a:blip r:embed="rId2">
-            <a:extLst>
-              <a:ext uri="{28A0092B-C50C-407E-A947-70E740481C1C}">
-                <a14:useLocalDpi xmlns:a14="http://schemas.microsoft.com/office/drawing/2010/main" val="0"/>
-              </a:ext>
-            </a:extLst>
-          </a:blip>
-          <a:stretch>
-            <a:fillRect/>
-          </a:stretch>
-        </p:blipFill>
-        <p:spPr>
-          <a:xfrm>
-            <a:off x="9578792" y="333532"/>
-            <a:ext cx="2003608" cy="247337"/>
-          </a:xfrm>
-          <a:prstGeom prst="rect">
-            <a:avLst/>
-          </a:prstGeom>
-        </p:spPr>
-      </p:pic>
       <p:sp>
         <p:nvSpPr>
           <p:cNvPr id="10" name="TextBox 9"/>
@@ -1558,6 +1528,36 @@
           </a:p>
         </p:txBody>
       </p:sp>
+      <p:pic>
+        <p:nvPicPr>
+          <p:cNvPr id="2" name="Picture 1">
+            <a:extLst>
+              <a:ext uri="{FF2B5EF4-FFF2-40B4-BE49-F238E27FC236}">
+                <a16:creationId xmlns:a16="http://schemas.microsoft.com/office/drawing/2014/main" id="{1E669C6B-DA58-223D-8802-2A9A94F165A8}"/>
+              </a:ext>
+            </a:extLst>
+          </p:cNvPr>
+          <p:cNvPicPr>
+            <a:picLocks noChangeAspect="1"/>
+          </p:cNvPicPr>
+          <p:nvPr userDrawn="1"/>
+        </p:nvPicPr>
+        <p:blipFill>
+          <a:blip r:embed="rId2"/>
+          <a:stretch>
+            <a:fillRect/>
+          </a:stretch>
+        </p:blipFill>
+        <p:spPr>
+          <a:xfrm>
+            <a:off x="10503035" y="262669"/>
+            <a:ext cx="1079365" cy="380952"/>
+          </a:xfrm>
+          <a:prstGeom prst="rect">
+            <a:avLst/>
+          </a:prstGeom>
+        </p:spPr>
+      </p:pic>
     </p:spTree>
     <p:extLst>
       <p:ext uri="{BB962C8B-B14F-4D97-AF65-F5344CB8AC3E}">
@@ -1695,36 +1695,6 @@
           </a:p>
         </p:txBody>
       </p:sp>
-      <p:pic>
-        <p:nvPicPr>
-          <p:cNvPr id="11" name="Picture 10"/>
-          <p:cNvPicPr>
-            <a:picLocks noChangeAspect="1"/>
-          </p:cNvPicPr>
-          <p:nvPr userDrawn="1"/>
-        </p:nvPicPr>
-        <p:blipFill>
-          <a:blip r:embed="rId2">
-            <a:extLst>
-              <a:ext uri="{28A0092B-C50C-407E-A947-70E740481C1C}">
-                <a14:useLocalDpi xmlns:a14="http://schemas.microsoft.com/office/drawing/2010/main" val="0"/>
-              </a:ext>
-            </a:extLst>
-          </a:blip>
-          <a:stretch>
-            <a:fillRect/>
-          </a:stretch>
-        </p:blipFill>
-        <p:spPr>
-          <a:xfrm>
-            <a:off x="9578792" y="333532"/>
-            <a:ext cx="2003608" cy="247337"/>
-          </a:xfrm>
-          <a:prstGeom prst="rect">
-            <a:avLst/>
-          </a:prstGeom>
-        </p:spPr>
-      </p:pic>
       <p:sp>
         <p:nvSpPr>
           <p:cNvPr id="10" name="TextBox 9"/>
@@ -1903,6 +1873,36 @@
           </a:p>
         </p:txBody>
       </p:sp>
+      <p:pic>
+        <p:nvPicPr>
+          <p:cNvPr id="2" name="Picture 1">
+            <a:extLst>
+              <a:ext uri="{FF2B5EF4-FFF2-40B4-BE49-F238E27FC236}">
+                <a16:creationId xmlns:a16="http://schemas.microsoft.com/office/drawing/2014/main" id="{8934E5D5-701D-F6DF-8643-22726458DD43}"/>
+              </a:ext>
+            </a:extLst>
+          </p:cNvPr>
+          <p:cNvPicPr>
+            <a:picLocks noChangeAspect="1"/>
+          </p:cNvPicPr>
+          <p:nvPr userDrawn="1"/>
+        </p:nvPicPr>
+        <p:blipFill>
+          <a:blip r:embed="rId2"/>
+          <a:stretch>
+            <a:fillRect/>
+          </a:stretch>
+        </p:blipFill>
+        <p:spPr>
+          <a:xfrm>
+            <a:off x="10503035" y="262669"/>
+            <a:ext cx="1079365" cy="380952"/>
+          </a:xfrm>
+          <a:prstGeom prst="rect">
+            <a:avLst/>
+          </a:prstGeom>
+        </p:spPr>
+      </p:pic>
     </p:spTree>
     <p:extLst>
       <p:ext uri="{BB962C8B-B14F-4D97-AF65-F5344CB8AC3E}">
@@ -2040,36 +2040,6 @@
           </a:p>
         </p:txBody>
       </p:sp>
-      <p:pic>
-        <p:nvPicPr>
-          <p:cNvPr id="11" name="Picture 10"/>
-          <p:cNvPicPr>
-            <a:picLocks noChangeAspect="1"/>
-          </p:cNvPicPr>
-          <p:nvPr userDrawn="1"/>
-        </p:nvPicPr>
-        <p:blipFill>
-          <a:blip r:embed="rId2">
-            <a:extLst>
-              <a:ext uri="{28A0092B-C50C-407E-A947-70E740481C1C}">
-                <a14:useLocalDpi xmlns:a14="http://schemas.microsoft.com/office/drawing/2010/main" val="0"/>
-              </a:ext>
-            </a:extLst>
-          </a:blip>
-          <a:stretch>
-            <a:fillRect/>
-          </a:stretch>
-        </p:blipFill>
-        <p:spPr>
-          <a:xfrm>
-            <a:off x="9578792" y="333532"/>
-            <a:ext cx="2003608" cy="247337"/>
-          </a:xfrm>
-          <a:prstGeom prst="rect">
-            <a:avLst/>
-          </a:prstGeom>
-        </p:spPr>
-      </p:pic>
       <p:sp>
         <p:nvSpPr>
           <p:cNvPr id="10" name="TextBox 9"/>
@@ -2248,6 +2218,36 @@
           </a:p>
         </p:txBody>
       </p:sp>
+      <p:pic>
+        <p:nvPicPr>
+          <p:cNvPr id="2" name="Picture 1">
+            <a:extLst>
+              <a:ext uri="{FF2B5EF4-FFF2-40B4-BE49-F238E27FC236}">
+                <a16:creationId xmlns:a16="http://schemas.microsoft.com/office/drawing/2014/main" id="{D44A8E8A-E7D5-80E5-8BCD-0FBE0F44AA62}"/>
+              </a:ext>
+            </a:extLst>
+          </p:cNvPr>
+          <p:cNvPicPr>
+            <a:picLocks noChangeAspect="1"/>
+          </p:cNvPicPr>
+          <p:nvPr userDrawn="1"/>
+        </p:nvPicPr>
+        <p:blipFill>
+          <a:blip r:embed="rId2"/>
+          <a:stretch>
+            <a:fillRect/>
+          </a:stretch>
+        </p:blipFill>
+        <p:spPr>
+          <a:xfrm>
+            <a:off x="10503035" y="262669"/>
+            <a:ext cx="1079365" cy="380952"/>
+          </a:xfrm>
+          <a:prstGeom prst="rect">
+            <a:avLst/>
+          </a:prstGeom>
+        </p:spPr>
+      </p:pic>
     </p:spTree>
     <p:extLst>
       <p:ext uri="{BB962C8B-B14F-4D97-AF65-F5344CB8AC3E}">
@@ -2388,36 +2388,6 @@
           </a:p>
         </p:txBody>
       </p:sp>
-      <p:pic>
-        <p:nvPicPr>
-          <p:cNvPr id="11" name="Picture 10"/>
-          <p:cNvPicPr>
-            <a:picLocks noChangeAspect="1"/>
-          </p:cNvPicPr>
-          <p:nvPr userDrawn="1"/>
-        </p:nvPicPr>
-        <p:blipFill>
-          <a:blip r:embed="rId2">
-            <a:extLst>
-              <a:ext uri="{28A0092B-C50C-407E-A947-70E740481C1C}">
-                <a14:useLocalDpi xmlns:a14="http://schemas.microsoft.com/office/drawing/2010/main" val="0"/>
-              </a:ext>
-            </a:extLst>
-          </a:blip>
-          <a:stretch>
-            <a:fillRect/>
-          </a:stretch>
-        </p:blipFill>
-        <p:spPr>
-          <a:xfrm>
-            <a:off x="9578792" y="333532"/>
-            <a:ext cx="2003608" cy="247337"/>
-          </a:xfrm>
-          <a:prstGeom prst="rect">
-            <a:avLst/>
-          </a:prstGeom>
-        </p:spPr>
-      </p:pic>
       <p:sp>
         <p:nvSpPr>
           <p:cNvPr id="10" name="TextBox 9"/>
@@ -2596,6 +2566,36 @@
           </a:p>
         </p:txBody>
       </p:sp>
+      <p:pic>
+        <p:nvPicPr>
+          <p:cNvPr id="2" name="Picture 1">
+            <a:extLst>
+              <a:ext uri="{FF2B5EF4-FFF2-40B4-BE49-F238E27FC236}">
+                <a16:creationId xmlns:a16="http://schemas.microsoft.com/office/drawing/2014/main" id="{5478B15C-FB62-8DA9-B32B-078C94A9FC1F}"/>
+              </a:ext>
+            </a:extLst>
+          </p:cNvPr>
+          <p:cNvPicPr>
+            <a:picLocks noChangeAspect="1"/>
+          </p:cNvPicPr>
+          <p:nvPr userDrawn="1"/>
+        </p:nvPicPr>
+        <p:blipFill>
+          <a:blip r:embed="rId2"/>
+          <a:stretch>
+            <a:fillRect/>
+          </a:stretch>
+        </p:blipFill>
+        <p:spPr>
+          <a:xfrm>
+            <a:off x="10503035" y="262669"/>
+            <a:ext cx="1079365" cy="380952"/>
+          </a:xfrm>
+          <a:prstGeom prst="rect">
+            <a:avLst/>
+          </a:prstGeom>
+        </p:spPr>
+      </p:pic>
     </p:spTree>
     <p:extLst>
       <p:ext uri="{BB962C8B-B14F-4D97-AF65-F5344CB8AC3E}">
@@ -2733,36 +2733,6 @@
           </a:p>
         </p:txBody>
       </p:sp>
-      <p:pic>
-        <p:nvPicPr>
-          <p:cNvPr id="11" name="Picture 10"/>
-          <p:cNvPicPr>
-            <a:picLocks noChangeAspect="1"/>
-          </p:cNvPicPr>
-          <p:nvPr userDrawn="1"/>
-        </p:nvPicPr>
-        <p:blipFill>
-          <a:blip r:embed="rId2">
-            <a:extLst>
-              <a:ext uri="{28A0092B-C50C-407E-A947-70E740481C1C}">
-                <a14:useLocalDpi xmlns:a14="http://schemas.microsoft.com/office/drawing/2010/main" val="0"/>
-              </a:ext>
-            </a:extLst>
-          </a:blip>
-          <a:stretch>
-            <a:fillRect/>
-          </a:stretch>
-        </p:blipFill>
-        <p:spPr>
-          <a:xfrm>
-            <a:off x="9578792" y="333532"/>
-            <a:ext cx="2003608" cy="247337"/>
-          </a:xfrm>
-          <a:prstGeom prst="rect">
-            <a:avLst/>
-          </a:prstGeom>
-        </p:spPr>
-      </p:pic>
       <p:sp>
         <p:nvSpPr>
           <p:cNvPr id="10" name="TextBox 9"/>
@@ -2944,6 +2914,36 @@
           </a:p>
         </p:txBody>
       </p:sp>
+      <p:pic>
+        <p:nvPicPr>
+          <p:cNvPr id="2" name="Picture 1">
+            <a:extLst>
+              <a:ext uri="{FF2B5EF4-FFF2-40B4-BE49-F238E27FC236}">
+                <a16:creationId xmlns:a16="http://schemas.microsoft.com/office/drawing/2014/main" id="{CB619740-43EB-177D-88ED-5ABE543F0A6B}"/>
+              </a:ext>
+            </a:extLst>
+          </p:cNvPr>
+          <p:cNvPicPr>
+            <a:picLocks noChangeAspect="1"/>
+          </p:cNvPicPr>
+          <p:nvPr userDrawn="1"/>
+        </p:nvPicPr>
+        <p:blipFill>
+          <a:blip r:embed="rId2"/>
+          <a:stretch>
+            <a:fillRect/>
+          </a:stretch>
+        </p:blipFill>
+        <p:spPr>
+          <a:xfrm>
+            <a:off x="10503035" y="262669"/>
+            <a:ext cx="1079365" cy="380952"/>
+          </a:xfrm>
+          <a:prstGeom prst="rect">
+            <a:avLst/>
+          </a:prstGeom>
+        </p:spPr>
+      </p:pic>
     </p:spTree>
     <p:extLst>
       <p:ext uri="{BB962C8B-B14F-4D97-AF65-F5344CB8AC3E}">
@@ -3187,36 +3187,6 @@
           </a:p>
         </p:txBody>
       </p:sp>
-      <p:pic>
-        <p:nvPicPr>
-          <p:cNvPr id="11" name="Picture 10"/>
-          <p:cNvPicPr>
-            <a:picLocks noChangeAspect="1"/>
-          </p:cNvPicPr>
-          <p:nvPr userDrawn="1"/>
-        </p:nvPicPr>
-        <p:blipFill>
-          <a:blip r:embed="rId2">
-            <a:extLst>
-              <a:ext uri="{28A0092B-C50C-407E-A947-70E740481C1C}">
-                <a14:useLocalDpi xmlns:a14="http://schemas.microsoft.com/office/drawing/2010/main" val="0"/>
-              </a:ext>
-            </a:extLst>
-          </a:blip>
-          <a:stretch>
-            <a:fillRect/>
-          </a:stretch>
-        </p:blipFill>
-        <p:spPr>
-          <a:xfrm>
-            <a:off x="9578792" y="333532"/>
-            <a:ext cx="2003608" cy="247337"/>
-          </a:xfrm>
-          <a:prstGeom prst="rect">
-            <a:avLst/>
-          </a:prstGeom>
-        </p:spPr>
-      </p:pic>
       <p:sp>
         <p:nvSpPr>
           <p:cNvPr id="9" name="Text Placeholder 7"/>
@@ -3290,6 +3260,36 @@
           </a:p>
         </p:txBody>
       </p:sp>
+      <p:pic>
+        <p:nvPicPr>
+          <p:cNvPr id="2" name="Picture 1">
+            <a:extLst>
+              <a:ext uri="{FF2B5EF4-FFF2-40B4-BE49-F238E27FC236}">
+                <a16:creationId xmlns:a16="http://schemas.microsoft.com/office/drawing/2014/main" id="{B83079F0-1597-81EC-0AF1-8BFCEA1F634B}"/>
+              </a:ext>
+            </a:extLst>
+          </p:cNvPr>
+          <p:cNvPicPr>
+            <a:picLocks noChangeAspect="1"/>
+          </p:cNvPicPr>
+          <p:nvPr userDrawn="1"/>
+        </p:nvPicPr>
+        <p:blipFill>
+          <a:blip r:embed="rId2"/>
+          <a:stretch>
+            <a:fillRect/>
+          </a:stretch>
+        </p:blipFill>
+        <p:spPr>
+          <a:xfrm>
+            <a:off x="10503035" y="262669"/>
+            <a:ext cx="1079365" cy="380952"/>
+          </a:xfrm>
+          <a:prstGeom prst="rect">
+            <a:avLst/>
+          </a:prstGeom>
+        </p:spPr>
+      </p:pic>
     </p:spTree>
     <p:extLst>
       <p:ext uri="{BB962C8B-B14F-4D97-AF65-F5344CB8AC3E}">
@@ -3427,36 +3427,6 @@
           </a:p>
         </p:txBody>
       </p:sp>
-      <p:pic>
-        <p:nvPicPr>
-          <p:cNvPr id="11" name="Picture 10"/>
-          <p:cNvPicPr>
-            <a:picLocks noChangeAspect="1"/>
-          </p:cNvPicPr>
-          <p:nvPr userDrawn="1"/>
-        </p:nvPicPr>
-        <p:blipFill>
-          <a:blip r:embed="rId2">
-            <a:extLst>
-              <a:ext uri="{28A0092B-C50C-407E-A947-70E740481C1C}">
-                <a14:useLocalDpi xmlns:a14="http://schemas.microsoft.com/office/drawing/2010/main" val="0"/>
-              </a:ext>
-            </a:extLst>
-          </a:blip>
-          <a:stretch>
-            <a:fillRect/>
-          </a:stretch>
-        </p:blipFill>
-        <p:spPr>
-          <a:xfrm>
-            <a:off x="9578792" y="333532"/>
-            <a:ext cx="2003608" cy="247337"/>
-          </a:xfrm>
-          <a:prstGeom prst="rect">
-            <a:avLst/>
-          </a:prstGeom>
-        </p:spPr>
-      </p:pic>
       <p:sp>
         <p:nvSpPr>
           <p:cNvPr id="10" name="TextBox 9"/>
@@ -3637,6 +3607,36 @@
           </a:p>
         </p:txBody>
       </p:sp>
+      <p:pic>
+        <p:nvPicPr>
+          <p:cNvPr id="2" name="Picture 1">
+            <a:extLst>
+              <a:ext uri="{FF2B5EF4-FFF2-40B4-BE49-F238E27FC236}">
+                <a16:creationId xmlns:a16="http://schemas.microsoft.com/office/drawing/2014/main" id="{5536D5A6-64E6-DB73-135B-81671202DB85}"/>
+              </a:ext>
+            </a:extLst>
+          </p:cNvPr>
+          <p:cNvPicPr>
+            <a:picLocks noChangeAspect="1"/>
+          </p:cNvPicPr>
+          <p:nvPr userDrawn="1"/>
+        </p:nvPicPr>
+        <p:blipFill>
+          <a:blip r:embed="rId2"/>
+          <a:stretch>
+            <a:fillRect/>
+          </a:stretch>
+        </p:blipFill>
+        <p:spPr>
+          <a:xfrm>
+            <a:off x="10503035" y="262669"/>
+            <a:ext cx="1079365" cy="380952"/>
+          </a:xfrm>
+          <a:prstGeom prst="rect">
+            <a:avLst/>
+          </a:prstGeom>
+        </p:spPr>
+      </p:pic>
     </p:spTree>
     <p:extLst>
       <p:ext uri="{BB962C8B-B14F-4D97-AF65-F5344CB8AC3E}">
@@ -3774,36 +3774,6 @@
           </a:p>
         </p:txBody>
       </p:sp>
-      <p:pic>
-        <p:nvPicPr>
-          <p:cNvPr id="11" name="Picture 10"/>
-          <p:cNvPicPr>
-            <a:picLocks noChangeAspect="1"/>
-          </p:cNvPicPr>
-          <p:nvPr userDrawn="1"/>
-        </p:nvPicPr>
-        <p:blipFill>
-          <a:blip r:embed="rId2">
-            <a:extLst>
-              <a:ext uri="{28A0092B-C50C-407E-A947-70E740481C1C}">
-                <a14:useLocalDpi xmlns:a14="http://schemas.microsoft.com/office/drawing/2010/main" val="0"/>
-              </a:ext>
-            </a:extLst>
-          </a:blip>
-          <a:stretch>
-            <a:fillRect/>
-          </a:stretch>
-        </p:blipFill>
-        <p:spPr>
-          <a:xfrm>
-            <a:off x="9578792" y="333532"/>
-            <a:ext cx="2003608" cy="247337"/>
-          </a:xfrm>
-          <a:prstGeom prst="rect">
-            <a:avLst/>
-          </a:prstGeom>
-        </p:spPr>
-      </p:pic>
       <p:sp>
         <p:nvSpPr>
           <p:cNvPr id="10" name="TextBox 9"/>
@@ -3983,6 +3953,36 @@
           </a:p>
         </p:txBody>
       </p:sp>
+      <p:pic>
+        <p:nvPicPr>
+          <p:cNvPr id="2" name="Picture 1">
+            <a:extLst>
+              <a:ext uri="{FF2B5EF4-FFF2-40B4-BE49-F238E27FC236}">
+                <a16:creationId xmlns:a16="http://schemas.microsoft.com/office/drawing/2014/main" id="{B4AE74E8-3272-BE40-B7A0-F0672AA6A146}"/>
+              </a:ext>
+            </a:extLst>
+          </p:cNvPr>
+          <p:cNvPicPr>
+            <a:picLocks noChangeAspect="1"/>
+          </p:cNvPicPr>
+          <p:nvPr userDrawn="1"/>
+        </p:nvPicPr>
+        <p:blipFill>
+          <a:blip r:embed="rId2"/>
+          <a:stretch>
+            <a:fillRect/>
+          </a:stretch>
+        </p:blipFill>
+        <p:spPr>
+          <a:xfrm>
+            <a:off x="10503035" y="262669"/>
+            <a:ext cx="1079365" cy="380952"/>
+          </a:xfrm>
+          <a:prstGeom prst="rect">
+            <a:avLst/>
+          </a:prstGeom>
+        </p:spPr>
+      </p:pic>
     </p:spTree>
     <p:extLst>
       <p:ext uri="{BB962C8B-B14F-4D97-AF65-F5344CB8AC3E}">
@@ -4120,36 +4120,6 @@
           </a:p>
         </p:txBody>
       </p:sp>
-      <p:pic>
-        <p:nvPicPr>
-          <p:cNvPr id="11" name="Picture 10"/>
-          <p:cNvPicPr>
-            <a:picLocks noChangeAspect="1"/>
-          </p:cNvPicPr>
-          <p:nvPr userDrawn="1"/>
-        </p:nvPicPr>
-        <p:blipFill>
-          <a:blip r:embed="rId2">
-            <a:extLst>
-              <a:ext uri="{28A0092B-C50C-407E-A947-70E740481C1C}">
-                <a14:useLocalDpi xmlns:a14="http://schemas.microsoft.com/office/drawing/2010/main" val="0"/>
-              </a:ext>
-            </a:extLst>
-          </a:blip>
-          <a:stretch>
-            <a:fillRect/>
-          </a:stretch>
-        </p:blipFill>
-        <p:spPr>
-          <a:xfrm>
-            <a:off x="9578792" y="333532"/>
-            <a:ext cx="2003608" cy="247337"/>
-          </a:xfrm>
-          <a:prstGeom prst="rect">
-            <a:avLst/>
-          </a:prstGeom>
-        </p:spPr>
-      </p:pic>
       <p:sp>
         <p:nvSpPr>
           <p:cNvPr id="10" name="TextBox 9"/>
@@ -4329,6 +4299,36 @@
           </a:p>
         </p:txBody>
       </p:sp>
+      <p:pic>
+        <p:nvPicPr>
+          <p:cNvPr id="2" name="Picture 1">
+            <a:extLst>
+              <a:ext uri="{FF2B5EF4-FFF2-40B4-BE49-F238E27FC236}">
+                <a16:creationId xmlns:a16="http://schemas.microsoft.com/office/drawing/2014/main" id="{D961D403-FDB6-D0C6-4A41-7D61B993B743}"/>
+              </a:ext>
+            </a:extLst>
+          </p:cNvPr>
+          <p:cNvPicPr>
+            <a:picLocks noChangeAspect="1"/>
+          </p:cNvPicPr>
+          <p:nvPr userDrawn="1"/>
+        </p:nvPicPr>
+        <p:blipFill>
+          <a:blip r:embed="rId2"/>
+          <a:stretch>
+            <a:fillRect/>
+          </a:stretch>
+        </p:blipFill>
+        <p:spPr>
+          <a:xfrm>
+            <a:off x="10503035" y="262669"/>
+            <a:ext cx="1079365" cy="380952"/>
+          </a:xfrm>
+          <a:prstGeom prst="rect">
+            <a:avLst/>
+          </a:prstGeom>
+        </p:spPr>
+      </p:pic>
     </p:spTree>
     <p:extLst>
       <p:ext uri="{BB962C8B-B14F-4D97-AF65-F5344CB8AC3E}">
@@ -4464,7 +4464,7 @@
           <a:p>
             <a:fld id="{B590C078-9131-4E49-8A0D-400FEE8377B5}" type="datetimeFigureOut">
               <a:rPr lang="en-US" smtClean="0"/>
-              <a:t>10/26/2021</a:t>
+              <a:t>2/20/2025</a:t>
             </a:fld>
             <a:endParaRPr lang="en-US"/>
           </a:p>
@@ -4640,36 +4640,6 @@
           </a:p>
         </p:txBody>
       </p:sp>
-      <p:pic>
-        <p:nvPicPr>
-          <p:cNvPr id="11" name="Picture 10"/>
-          <p:cNvPicPr>
-            <a:picLocks noChangeAspect="1"/>
-          </p:cNvPicPr>
-          <p:nvPr userDrawn="1"/>
-        </p:nvPicPr>
-        <p:blipFill>
-          <a:blip r:embed="rId2">
-            <a:extLst>
-              <a:ext uri="{28A0092B-C50C-407E-A947-70E740481C1C}">
-                <a14:useLocalDpi xmlns:a14="http://schemas.microsoft.com/office/drawing/2010/main" val="0"/>
-              </a:ext>
-            </a:extLst>
-          </a:blip>
-          <a:stretch>
-            <a:fillRect/>
-          </a:stretch>
-        </p:blipFill>
-        <p:spPr>
-          <a:xfrm>
-            <a:off x="9578792" y="333532"/>
-            <a:ext cx="2003608" cy="247337"/>
-          </a:xfrm>
-          <a:prstGeom prst="rect">
-            <a:avLst/>
-          </a:prstGeom>
-        </p:spPr>
-      </p:pic>
       <p:sp>
         <p:nvSpPr>
           <p:cNvPr id="10" name="TextBox 9"/>
@@ -4849,6 +4819,36 @@
           </a:p>
         </p:txBody>
       </p:sp>
+      <p:pic>
+        <p:nvPicPr>
+          <p:cNvPr id="2" name="Picture 1">
+            <a:extLst>
+              <a:ext uri="{FF2B5EF4-FFF2-40B4-BE49-F238E27FC236}">
+                <a16:creationId xmlns:a16="http://schemas.microsoft.com/office/drawing/2014/main" id="{DE3C010C-E3EC-BC20-ACA1-96AD8F260181}"/>
+              </a:ext>
+            </a:extLst>
+          </p:cNvPr>
+          <p:cNvPicPr>
+            <a:picLocks noChangeAspect="1"/>
+          </p:cNvPicPr>
+          <p:nvPr userDrawn="1"/>
+        </p:nvPicPr>
+        <p:blipFill>
+          <a:blip r:embed="rId2"/>
+          <a:stretch>
+            <a:fillRect/>
+          </a:stretch>
+        </p:blipFill>
+        <p:spPr>
+          <a:xfrm>
+            <a:off x="10503035" y="262669"/>
+            <a:ext cx="1079365" cy="380952"/>
+          </a:xfrm>
+          <a:prstGeom prst="rect">
+            <a:avLst/>
+          </a:prstGeom>
+        </p:spPr>
+      </p:pic>
     </p:spTree>
     <p:extLst>
       <p:ext uri="{BB962C8B-B14F-4D97-AF65-F5344CB8AC3E}">
@@ -4989,36 +4989,6 @@
           </a:p>
         </p:txBody>
       </p:sp>
-      <p:pic>
-        <p:nvPicPr>
-          <p:cNvPr id="11" name="Picture 10"/>
-          <p:cNvPicPr>
-            <a:picLocks noChangeAspect="1"/>
-          </p:cNvPicPr>
-          <p:nvPr userDrawn="1"/>
-        </p:nvPicPr>
-        <p:blipFill>
-          <a:blip r:embed="rId2">
-            <a:extLst>
-              <a:ext uri="{28A0092B-C50C-407E-A947-70E740481C1C}">
-                <a14:useLocalDpi xmlns:a14="http://schemas.microsoft.com/office/drawing/2010/main" val="0"/>
-              </a:ext>
-            </a:extLst>
-          </a:blip>
-          <a:stretch>
-            <a:fillRect/>
-          </a:stretch>
-        </p:blipFill>
-        <p:spPr>
-          <a:xfrm>
-            <a:off x="9578792" y="333532"/>
-            <a:ext cx="2003608" cy="247337"/>
-          </a:xfrm>
-          <a:prstGeom prst="rect">
-            <a:avLst/>
-          </a:prstGeom>
-        </p:spPr>
-      </p:pic>
       <p:sp>
         <p:nvSpPr>
           <p:cNvPr id="10" name="TextBox 9"/>
@@ -5198,6 +5168,36 @@
           </a:p>
         </p:txBody>
       </p:sp>
+      <p:pic>
+        <p:nvPicPr>
+          <p:cNvPr id="2" name="Picture 1">
+            <a:extLst>
+              <a:ext uri="{FF2B5EF4-FFF2-40B4-BE49-F238E27FC236}">
+                <a16:creationId xmlns:a16="http://schemas.microsoft.com/office/drawing/2014/main" id="{6B96CFD7-9F23-9F13-5748-CB1FC338A399}"/>
+              </a:ext>
+            </a:extLst>
+          </p:cNvPr>
+          <p:cNvPicPr>
+            <a:picLocks noChangeAspect="1"/>
+          </p:cNvPicPr>
+          <p:nvPr userDrawn="1"/>
+        </p:nvPicPr>
+        <p:blipFill>
+          <a:blip r:embed="rId2"/>
+          <a:stretch>
+            <a:fillRect/>
+          </a:stretch>
+        </p:blipFill>
+        <p:spPr>
+          <a:xfrm>
+            <a:off x="10503035" y="262669"/>
+            <a:ext cx="1079365" cy="380952"/>
+          </a:xfrm>
+          <a:prstGeom prst="rect">
+            <a:avLst/>
+          </a:prstGeom>
+        </p:spPr>
+      </p:pic>
     </p:spTree>
     <p:extLst>
       <p:ext uri="{BB962C8B-B14F-4D97-AF65-F5344CB8AC3E}">
@@ -5335,36 +5335,6 @@
           </a:p>
         </p:txBody>
       </p:sp>
-      <p:pic>
-        <p:nvPicPr>
-          <p:cNvPr id="11" name="Picture 10"/>
-          <p:cNvPicPr>
-            <a:picLocks noChangeAspect="1"/>
-          </p:cNvPicPr>
-          <p:nvPr userDrawn="1"/>
-        </p:nvPicPr>
-        <p:blipFill>
-          <a:blip r:embed="rId2">
-            <a:extLst>
-              <a:ext uri="{28A0092B-C50C-407E-A947-70E740481C1C}">
-                <a14:useLocalDpi xmlns:a14="http://schemas.microsoft.com/office/drawing/2010/main" val="0"/>
-              </a:ext>
-            </a:extLst>
-          </a:blip>
-          <a:stretch>
-            <a:fillRect/>
-          </a:stretch>
-        </p:blipFill>
-        <p:spPr>
-          <a:xfrm>
-            <a:off x="9578792" y="333532"/>
-            <a:ext cx="2003608" cy="247337"/>
-          </a:xfrm>
-          <a:prstGeom prst="rect">
-            <a:avLst/>
-          </a:prstGeom>
-        </p:spPr>
-      </p:pic>
       <p:sp>
         <p:nvSpPr>
           <p:cNvPr id="10" name="TextBox 9"/>
@@ -5544,6 +5514,36 @@
           </a:p>
         </p:txBody>
       </p:sp>
+      <p:pic>
+        <p:nvPicPr>
+          <p:cNvPr id="2" name="Picture 1">
+            <a:extLst>
+              <a:ext uri="{FF2B5EF4-FFF2-40B4-BE49-F238E27FC236}">
+                <a16:creationId xmlns:a16="http://schemas.microsoft.com/office/drawing/2014/main" id="{6FDFAACD-648E-C983-BD53-B31C2B85CC6C}"/>
+              </a:ext>
+            </a:extLst>
+          </p:cNvPr>
+          <p:cNvPicPr>
+            <a:picLocks noChangeAspect="1"/>
+          </p:cNvPicPr>
+          <p:nvPr userDrawn="1"/>
+        </p:nvPicPr>
+        <p:blipFill>
+          <a:blip r:embed="rId2"/>
+          <a:stretch>
+            <a:fillRect/>
+          </a:stretch>
+        </p:blipFill>
+        <p:spPr>
+          <a:xfrm>
+            <a:off x="10503035" y="262669"/>
+            <a:ext cx="1079365" cy="380952"/>
+          </a:xfrm>
+          <a:prstGeom prst="rect">
+            <a:avLst/>
+          </a:prstGeom>
+        </p:spPr>
+      </p:pic>
     </p:spTree>
     <p:extLst>
       <p:ext uri="{BB962C8B-B14F-4D97-AF65-F5344CB8AC3E}">
@@ -5681,36 +5681,6 @@
           </a:p>
         </p:txBody>
       </p:sp>
-      <p:pic>
-        <p:nvPicPr>
-          <p:cNvPr id="37" name="Picture 36"/>
-          <p:cNvPicPr>
-            <a:picLocks noChangeAspect="1"/>
-          </p:cNvPicPr>
-          <p:nvPr userDrawn="1"/>
-        </p:nvPicPr>
-        <p:blipFill>
-          <a:blip r:embed="rId2">
-            <a:extLst>
-              <a:ext uri="{28A0092B-C50C-407E-A947-70E740481C1C}">
-                <a14:useLocalDpi xmlns:a14="http://schemas.microsoft.com/office/drawing/2010/main" val="0"/>
-              </a:ext>
-            </a:extLst>
-          </a:blip>
-          <a:stretch>
-            <a:fillRect/>
-          </a:stretch>
-        </p:blipFill>
-        <p:spPr>
-          <a:xfrm>
-            <a:off x="9578792" y="333532"/>
-            <a:ext cx="2003608" cy="247337"/>
-          </a:xfrm>
-          <a:prstGeom prst="rect">
-            <a:avLst/>
-          </a:prstGeom>
-        </p:spPr>
-      </p:pic>
       <p:sp>
         <p:nvSpPr>
           <p:cNvPr id="11" name="TextBox 10"/>
@@ -5936,6 +5906,36 @@
           </a:p>
         </p:txBody>
       </p:sp>
+      <p:pic>
+        <p:nvPicPr>
+          <p:cNvPr id="2" name="Picture 1">
+            <a:extLst>
+              <a:ext uri="{FF2B5EF4-FFF2-40B4-BE49-F238E27FC236}">
+                <a16:creationId xmlns:a16="http://schemas.microsoft.com/office/drawing/2014/main" id="{2B0C0E64-DCA5-B1B1-EFA7-7B0A81F4ED86}"/>
+              </a:ext>
+            </a:extLst>
+          </p:cNvPr>
+          <p:cNvPicPr>
+            <a:picLocks noChangeAspect="1"/>
+          </p:cNvPicPr>
+          <p:nvPr userDrawn="1"/>
+        </p:nvPicPr>
+        <p:blipFill>
+          <a:blip r:embed="rId2"/>
+          <a:stretch>
+            <a:fillRect/>
+          </a:stretch>
+        </p:blipFill>
+        <p:spPr>
+          <a:xfrm>
+            <a:off x="10503035" y="262669"/>
+            <a:ext cx="1079365" cy="380952"/>
+          </a:xfrm>
+          <a:prstGeom prst="rect">
+            <a:avLst/>
+          </a:prstGeom>
+        </p:spPr>
+      </p:pic>
     </p:spTree>
     <p:extLst>
       <p:ext uri="{BB962C8B-B14F-4D97-AF65-F5344CB8AC3E}">
@@ -6073,36 +6073,6 @@
           </a:p>
         </p:txBody>
       </p:sp>
-      <p:pic>
-        <p:nvPicPr>
-          <p:cNvPr id="37" name="Picture 36"/>
-          <p:cNvPicPr>
-            <a:picLocks noChangeAspect="1"/>
-          </p:cNvPicPr>
-          <p:nvPr userDrawn="1"/>
-        </p:nvPicPr>
-        <p:blipFill>
-          <a:blip r:embed="rId2">
-            <a:extLst>
-              <a:ext uri="{28A0092B-C50C-407E-A947-70E740481C1C}">
-                <a14:useLocalDpi xmlns:a14="http://schemas.microsoft.com/office/drawing/2010/main" val="0"/>
-              </a:ext>
-            </a:extLst>
-          </a:blip>
-          <a:stretch>
-            <a:fillRect/>
-          </a:stretch>
-        </p:blipFill>
-        <p:spPr>
-          <a:xfrm>
-            <a:off x="9578792" y="333532"/>
-            <a:ext cx="2003608" cy="247337"/>
-          </a:xfrm>
-          <a:prstGeom prst="rect">
-            <a:avLst/>
-          </a:prstGeom>
-        </p:spPr>
-      </p:pic>
       <p:sp>
         <p:nvSpPr>
           <p:cNvPr id="11" name="TextBox 10"/>
@@ -6328,6 +6298,36 @@
           </a:p>
         </p:txBody>
       </p:sp>
+      <p:pic>
+        <p:nvPicPr>
+          <p:cNvPr id="2" name="Picture 1">
+            <a:extLst>
+              <a:ext uri="{FF2B5EF4-FFF2-40B4-BE49-F238E27FC236}">
+                <a16:creationId xmlns:a16="http://schemas.microsoft.com/office/drawing/2014/main" id="{7771D52E-E61F-3709-093D-851FB2A251C0}"/>
+              </a:ext>
+            </a:extLst>
+          </p:cNvPr>
+          <p:cNvPicPr>
+            <a:picLocks noChangeAspect="1"/>
+          </p:cNvPicPr>
+          <p:nvPr userDrawn="1"/>
+        </p:nvPicPr>
+        <p:blipFill>
+          <a:blip r:embed="rId2"/>
+          <a:stretch>
+            <a:fillRect/>
+          </a:stretch>
+        </p:blipFill>
+        <p:spPr>
+          <a:xfrm>
+            <a:off x="10503035" y="262669"/>
+            <a:ext cx="1079365" cy="380952"/>
+          </a:xfrm>
+          <a:prstGeom prst="rect">
+            <a:avLst/>
+          </a:prstGeom>
+        </p:spPr>
+      </p:pic>
     </p:spTree>
     <p:extLst>
       <p:ext uri="{BB962C8B-B14F-4D97-AF65-F5344CB8AC3E}">
@@ -6465,36 +6465,6 @@
           </a:p>
         </p:txBody>
       </p:sp>
-      <p:pic>
-        <p:nvPicPr>
-          <p:cNvPr id="25" name="Picture 24"/>
-          <p:cNvPicPr>
-            <a:picLocks noChangeAspect="1"/>
-          </p:cNvPicPr>
-          <p:nvPr userDrawn="1"/>
-        </p:nvPicPr>
-        <p:blipFill>
-          <a:blip r:embed="rId2">
-            <a:extLst>
-              <a:ext uri="{28A0092B-C50C-407E-A947-70E740481C1C}">
-                <a14:useLocalDpi xmlns:a14="http://schemas.microsoft.com/office/drawing/2010/main" val="0"/>
-              </a:ext>
-            </a:extLst>
-          </a:blip>
-          <a:stretch>
-            <a:fillRect/>
-          </a:stretch>
-        </p:blipFill>
-        <p:spPr>
-          <a:xfrm>
-            <a:off x="9578792" y="333532"/>
-            <a:ext cx="2003608" cy="247337"/>
-          </a:xfrm>
-          <a:prstGeom prst="rect">
-            <a:avLst/>
-          </a:prstGeom>
-        </p:spPr>
-      </p:pic>
       <p:sp>
         <p:nvSpPr>
           <p:cNvPr id="11" name="TextBox 10"/>
@@ -6720,6 +6690,36 @@
           </a:p>
         </p:txBody>
       </p:sp>
+      <p:pic>
+        <p:nvPicPr>
+          <p:cNvPr id="2" name="Picture 1">
+            <a:extLst>
+              <a:ext uri="{FF2B5EF4-FFF2-40B4-BE49-F238E27FC236}">
+                <a16:creationId xmlns:a16="http://schemas.microsoft.com/office/drawing/2014/main" id="{FC2F7CE6-B6C9-3BC9-47D6-250A042FD78A}"/>
+              </a:ext>
+            </a:extLst>
+          </p:cNvPr>
+          <p:cNvPicPr>
+            <a:picLocks noChangeAspect="1"/>
+          </p:cNvPicPr>
+          <p:nvPr userDrawn="1"/>
+        </p:nvPicPr>
+        <p:blipFill>
+          <a:blip r:embed="rId2"/>
+          <a:stretch>
+            <a:fillRect/>
+          </a:stretch>
+        </p:blipFill>
+        <p:spPr>
+          <a:xfrm>
+            <a:off x="10503035" y="262669"/>
+            <a:ext cx="1079365" cy="380952"/>
+          </a:xfrm>
+          <a:prstGeom prst="rect">
+            <a:avLst/>
+          </a:prstGeom>
+        </p:spPr>
+      </p:pic>
     </p:spTree>
     <p:extLst>
       <p:ext uri="{BB962C8B-B14F-4D97-AF65-F5344CB8AC3E}">
@@ -6857,36 +6857,6 @@
           </a:p>
         </p:txBody>
       </p:sp>
-      <p:pic>
-        <p:nvPicPr>
-          <p:cNvPr id="25" name="Picture 24"/>
-          <p:cNvPicPr>
-            <a:picLocks noChangeAspect="1"/>
-          </p:cNvPicPr>
-          <p:nvPr userDrawn="1"/>
-        </p:nvPicPr>
-        <p:blipFill>
-          <a:blip r:embed="rId2">
-            <a:extLst>
-              <a:ext uri="{28A0092B-C50C-407E-A947-70E740481C1C}">
-                <a14:useLocalDpi xmlns:a14="http://schemas.microsoft.com/office/drawing/2010/main" val="0"/>
-              </a:ext>
-            </a:extLst>
-          </a:blip>
-          <a:stretch>
-            <a:fillRect/>
-          </a:stretch>
-        </p:blipFill>
-        <p:spPr>
-          <a:xfrm>
-            <a:off x="9578792" y="333532"/>
-            <a:ext cx="2003608" cy="247337"/>
-          </a:xfrm>
-          <a:prstGeom prst="rect">
-            <a:avLst/>
-          </a:prstGeom>
-        </p:spPr>
-      </p:pic>
       <p:sp>
         <p:nvSpPr>
           <p:cNvPr id="11" name="TextBox 10"/>
@@ -7112,6 +7082,36 @@
           </a:p>
         </p:txBody>
       </p:sp>
+      <p:pic>
+        <p:nvPicPr>
+          <p:cNvPr id="2" name="Picture 1">
+            <a:extLst>
+              <a:ext uri="{FF2B5EF4-FFF2-40B4-BE49-F238E27FC236}">
+                <a16:creationId xmlns:a16="http://schemas.microsoft.com/office/drawing/2014/main" id="{6D50BBC2-9931-B87D-7AF2-4A3CB351B066}"/>
+              </a:ext>
+            </a:extLst>
+          </p:cNvPr>
+          <p:cNvPicPr>
+            <a:picLocks noChangeAspect="1"/>
+          </p:cNvPicPr>
+          <p:nvPr userDrawn="1"/>
+        </p:nvPicPr>
+        <p:blipFill>
+          <a:blip r:embed="rId2"/>
+          <a:stretch>
+            <a:fillRect/>
+          </a:stretch>
+        </p:blipFill>
+        <p:spPr>
+          <a:xfrm>
+            <a:off x="10503035" y="262669"/>
+            <a:ext cx="1079365" cy="380952"/>
+          </a:xfrm>
+          <a:prstGeom prst="rect">
+            <a:avLst/>
+          </a:prstGeom>
+        </p:spPr>
+      </p:pic>
     </p:spTree>
     <p:extLst>
       <p:ext uri="{BB962C8B-B14F-4D97-AF65-F5344CB8AC3E}">
@@ -7249,36 +7249,6 @@
           </a:p>
         </p:txBody>
       </p:sp>
-      <p:pic>
-        <p:nvPicPr>
-          <p:cNvPr id="28" name="Picture 27"/>
-          <p:cNvPicPr>
-            <a:picLocks noChangeAspect="1"/>
-          </p:cNvPicPr>
-          <p:nvPr userDrawn="1"/>
-        </p:nvPicPr>
-        <p:blipFill>
-          <a:blip r:embed="rId2">
-            <a:extLst>
-              <a:ext uri="{28A0092B-C50C-407E-A947-70E740481C1C}">
-                <a14:useLocalDpi xmlns:a14="http://schemas.microsoft.com/office/drawing/2010/main" val="0"/>
-              </a:ext>
-            </a:extLst>
-          </a:blip>
-          <a:stretch>
-            <a:fillRect/>
-          </a:stretch>
-        </p:blipFill>
-        <p:spPr>
-          <a:xfrm>
-            <a:off x="9578792" y="333532"/>
-            <a:ext cx="2003608" cy="247337"/>
-          </a:xfrm>
-          <a:prstGeom prst="rect">
-            <a:avLst/>
-          </a:prstGeom>
-        </p:spPr>
-      </p:pic>
       <p:sp>
         <p:nvSpPr>
           <p:cNvPr id="11" name="TextBox 10"/>
@@ -7504,6 +7474,36 @@
           </a:p>
         </p:txBody>
       </p:sp>
+      <p:pic>
+        <p:nvPicPr>
+          <p:cNvPr id="2" name="Picture 1">
+            <a:extLst>
+              <a:ext uri="{FF2B5EF4-FFF2-40B4-BE49-F238E27FC236}">
+                <a16:creationId xmlns:a16="http://schemas.microsoft.com/office/drawing/2014/main" id="{2E91E4A4-985B-62A4-C570-356F22DFD1C7}"/>
+              </a:ext>
+            </a:extLst>
+          </p:cNvPr>
+          <p:cNvPicPr>
+            <a:picLocks noChangeAspect="1"/>
+          </p:cNvPicPr>
+          <p:nvPr userDrawn="1"/>
+        </p:nvPicPr>
+        <p:blipFill>
+          <a:blip r:embed="rId2"/>
+          <a:stretch>
+            <a:fillRect/>
+          </a:stretch>
+        </p:blipFill>
+        <p:spPr>
+          <a:xfrm>
+            <a:off x="10503035" y="262669"/>
+            <a:ext cx="1079365" cy="380952"/>
+          </a:xfrm>
+          <a:prstGeom prst="rect">
+            <a:avLst/>
+          </a:prstGeom>
+        </p:spPr>
+      </p:pic>
     </p:spTree>
     <p:extLst>
       <p:ext uri="{BB962C8B-B14F-4D97-AF65-F5344CB8AC3E}">
@@ -7641,36 +7641,6 @@
           </a:p>
         </p:txBody>
       </p:sp>
-      <p:pic>
-        <p:nvPicPr>
-          <p:cNvPr id="25" name="Picture 24"/>
-          <p:cNvPicPr>
-            <a:picLocks noChangeAspect="1"/>
-          </p:cNvPicPr>
-          <p:nvPr userDrawn="1"/>
-        </p:nvPicPr>
-        <p:blipFill>
-          <a:blip r:embed="rId2">
-            <a:extLst>
-              <a:ext uri="{28A0092B-C50C-407E-A947-70E740481C1C}">
-                <a14:useLocalDpi xmlns:a14="http://schemas.microsoft.com/office/drawing/2010/main" val="0"/>
-              </a:ext>
-            </a:extLst>
-          </a:blip>
-          <a:stretch>
-            <a:fillRect/>
-          </a:stretch>
-        </p:blipFill>
-        <p:spPr>
-          <a:xfrm>
-            <a:off x="9578792" y="333532"/>
-            <a:ext cx="2003608" cy="247337"/>
-          </a:xfrm>
-          <a:prstGeom prst="rect">
-            <a:avLst/>
-          </a:prstGeom>
-        </p:spPr>
-      </p:pic>
       <p:sp>
         <p:nvSpPr>
           <p:cNvPr id="11" name="TextBox 10"/>
@@ -7890,6 +7860,36 @@
           </a:p>
         </p:txBody>
       </p:sp>
+      <p:pic>
+        <p:nvPicPr>
+          <p:cNvPr id="2" name="Picture 1">
+            <a:extLst>
+              <a:ext uri="{FF2B5EF4-FFF2-40B4-BE49-F238E27FC236}">
+                <a16:creationId xmlns:a16="http://schemas.microsoft.com/office/drawing/2014/main" id="{D8F57471-5EB1-198A-7E9D-6AC383658C05}"/>
+              </a:ext>
+            </a:extLst>
+          </p:cNvPr>
+          <p:cNvPicPr>
+            <a:picLocks noChangeAspect="1"/>
+          </p:cNvPicPr>
+          <p:nvPr userDrawn="1"/>
+        </p:nvPicPr>
+        <p:blipFill>
+          <a:blip r:embed="rId2"/>
+          <a:stretch>
+            <a:fillRect/>
+          </a:stretch>
+        </p:blipFill>
+        <p:spPr>
+          <a:xfrm>
+            <a:off x="10503035" y="262669"/>
+            <a:ext cx="1079365" cy="380952"/>
+          </a:xfrm>
+          <a:prstGeom prst="rect">
+            <a:avLst/>
+          </a:prstGeom>
+        </p:spPr>
+      </p:pic>
     </p:spTree>
     <p:extLst>
       <p:ext uri="{BB962C8B-B14F-4D97-AF65-F5344CB8AC3E}">
@@ -8027,36 +8027,6 @@
           </a:p>
         </p:txBody>
       </p:sp>
-      <p:pic>
-        <p:nvPicPr>
-          <p:cNvPr id="26" name="Picture 25"/>
-          <p:cNvPicPr>
-            <a:picLocks noChangeAspect="1"/>
-          </p:cNvPicPr>
-          <p:nvPr userDrawn="1"/>
-        </p:nvPicPr>
-        <p:blipFill>
-          <a:blip r:embed="rId2">
-            <a:extLst>
-              <a:ext uri="{28A0092B-C50C-407E-A947-70E740481C1C}">
-                <a14:useLocalDpi xmlns:a14="http://schemas.microsoft.com/office/drawing/2010/main" val="0"/>
-              </a:ext>
-            </a:extLst>
-          </a:blip>
-          <a:stretch>
-            <a:fillRect/>
-          </a:stretch>
-        </p:blipFill>
-        <p:spPr>
-          <a:xfrm>
-            <a:off x="9578792" y="333532"/>
-            <a:ext cx="2003608" cy="247337"/>
-          </a:xfrm>
-          <a:prstGeom prst="rect">
-            <a:avLst/>
-          </a:prstGeom>
-        </p:spPr>
-      </p:pic>
       <p:sp>
         <p:nvSpPr>
           <p:cNvPr id="11" name="TextBox 10"/>
@@ -8276,6 +8246,36 @@
           </a:p>
         </p:txBody>
       </p:sp>
+      <p:pic>
+        <p:nvPicPr>
+          <p:cNvPr id="3" name="Picture 2">
+            <a:extLst>
+              <a:ext uri="{FF2B5EF4-FFF2-40B4-BE49-F238E27FC236}">
+                <a16:creationId xmlns:a16="http://schemas.microsoft.com/office/drawing/2014/main" id="{30BF62E4-AD2E-2F0B-C667-2B79121F4D69}"/>
+              </a:ext>
+            </a:extLst>
+          </p:cNvPr>
+          <p:cNvPicPr>
+            <a:picLocks noChangeAspect="1"/>
+          </p:cNvPicPr>
+          <p:nvPr userDrawn="1"/>
+        </p:nvPicPr>
+        <p:blipFill>
+          <a:blip r:embed="rId2"/>
+          <a:stretch>
+            <a:fillRect/>
+          </a:stretch>
+        </p:blipFill>
+        <p:spPr>
+          <a:xfrm>
+            <a:off x="10503035" y="262669"/>
+            <a:ext cx="1079365" cy="380952"/>
+          </a:xfrm>
+          <a:prstGeom prst="rect">
+            <a:avLst/>
+          </a:prstGeom>
+        </p:spPr>
+      </p:pic>
     </p:spTree>
     <p:extLst>
       <p:ext uri="{BB962C8B-B14F-4D97-AF65-F5344CB8AC3E}">
@@ -8542,7 +8542,7 @@
           <a:p>
             <a:fld id="{B590C078-9131-4E49-8A0D-400FEE8377B5}" type="datetimeFigureOut">
               <a:rPr lang="en-US" smtClean="0"/>
-              <a:t>10/26/2021</a:t>
+              <a:t>2/20/2025</a:t>
             </a:fld>
             <a:endParaRPr lang="en-US"/>
           </a:p>
@@ -8854,31 +8854,6 @@
           </a:p>
         </p:txBody>
       </p:sp>
-      <p:pic>
-        <p:nvPicPr>
-          <p:cNvPr id="3" name="Picture 2" descr="CAST_grey_100_bl.jpg"/>
-          <p:cNvPicPr>
-            <a:picLocks noChangeAspect="1"/>
-          </p:cNvPicPr>
-          <p:nvPr userDrawn="1"/>
-        </p:nvPicPr>
-        <p:blipFill>
-          <a:blip r:embed="rId2" cstate="print"/>
-          <a:srcRect b="42816"/>
-          <a:stretch>
-            <a:fillRect/>
-          </a:stretch>
-        </p:blipFill>
-        <p:spPr>
-          <a:xfrm>
-            <a:off x="9579864" y="457200"/>
-            <a:ext cx="2002536" cy="222877"/>
-          </a:xfrm>
-          <a:prstGeom prst="rect">
-            <a:avLst/>
-          </a:prstGeom>
-        </p:spPr>
-      </p:pic>
       <p:sp>
         <p:nvSpPr>
           <p:cNvPr id="5" name="Rectangle 4"/>
@@ -10407,6 +10382,36 @@
           </a:p>
         </p:txBody>
       </p:sp>
+      <p:pic>
+        <p:nvPicPr>
+          <p:cNvPr id="30" name="Picture 29">
+            <a:extLst>
+              <a:ext uri="{FF2B5EF4-FFF2-40B4-BE49-F238E27FC236}">
+                <a16:creationId xmlns:a16="http://schemas.microsoft.com/office/drawing/2014/main" id="{8E9113F3-66D1-3215-F800-4FE3494F7253}"/>
+              </a:ext>
+            </a:extLst>
+          </p:cNvPr>
+          <p:cNvPicPr>
+            <a:picLocks noChangeAspect="1"/>
+          </p:cNvPicPr>
+          <p:nvPr userDrawn="1"/>
+        </p:nvPicPr>
+        <p:blipFill>
+          <a:blip r:embed="rId2"/>
+          <a:stretch>
+            <a:fillRect/>
+          </a:stretch>
+        </p:blipFill>
+        <p:spPr>
+          <a:xfrm>
+            <a:off x="10503035" y="366882"/>
+            <a:ext cx="1079365" cy="380952"/>
+          </a:xfrm>
+          <a:prstGeom prst="rect">
+            <a:avLst/>
+          </a:prstGeom>
+        </p:spPr>
+      </p:pic>
     </p:spTree>
     <p:extLst>
       <p:ext uri="{BB962C8B-B14F-4D97-AF65-F5344CB8AC3E}">
@@ -10662,36 +10667,6 @@
           </a:p>
         </p:txBody>
       </p:sp>
-      <p:pic>
-        <p:nvPicPr>
-          <p:cNvPr id="8" name="Picture 7"/>
-          <p:cNvPicPr>
-            <a:picLocks noChangeAspect="1"/>
-          </p:cNvPicPr>
-          <p:nvPr userDrawn="1"/>
-        </p:nvPicPr>
-        <p:blipFill>
-          <a:blip r:embed="rId3">
-            <a:extLst>
-              <a:ext uri="{28A0092B-C50C-407E-A947-70E740481C1C}">
-                <a14:useLocalDpi xmlns:a14="http://schemas.microsoft.com/office/drawing/2010/main" val="0"/>
-              </a:ext>
-            </a:extLst>
-          </a:blip>
-          <a:stretch>
-            <a:fillRect/>
-          </a:stretch>
-        </p:blipFill>
-        <p:spPr>
-          <a:xfrm>
-            <a:off x="9578792" y="333532"/>
-            <a:ext cx="2003608" cy="247337"/>
-          </a:xfrm>
-          <a:prstGeom prst="rect">
-            <a:avLst/>
-          </a:prstGeom>
-        </p:spPr>
-      </p:pic>
       <p:sp>
         <p:nvSpPr>
           <p:cNvPr id="18" name="Text Placeholder 17"/>
@@ -10833,6 +10808,36 @@
           </a:p>
         </p:txBody>
       </p:sp>
+      <p:pic>
+        <p:nvPicPr>
+          <p:cNvPr id="2" name="Picture 1">
+            <a:extLst>
+              <a:ext uri="{FF2B5EF4-FFF2-40B4-BE49-F238E27FC236}">
+                <a16:creationId xmlns:a16="http://schemas.microsoft.com/office/drawing/2014/main" id="{E7BBA4C9-A2F6-7DC1-5A83-0DF4F1FAE9DC}"/>
+              </a:ext>
+            </a:extLst>
+          </p:cNvPr>
+          <p:cNvPicPr>
+            <a:picLocks noChangeAspect="1"/>
+          </p:cNvPicPr>
+          <p:nvPr userDrawn="1"/>
+        </p:nvPicPr>
+        <p:blipFill>
+          <a:blip r:embed="rId3"/>
+          <a:stretch>
+            <a:fillRect/>
+          </a:stretch>
+        </p:blipFill>
+        <p:spPr>
+          <a:xfrm>
+            <a:off x="10503035" y="262669"/>
+            <a:ext cx="1079365" cy="380952"/>
+          </a:xfrm>
+          <a:prstGeom prst="rect">
+            <a:avLst/>
+          </a:prstGeom>
+        </p:spPr>
+      </p:pic>
     </p:spTree>
     <p:extLst>
       <p:ext uri="{BB962C8B-B14F-4D97-AF65-F5344CB8AC3E}">
@@ -11085,36 +11090,6 @@
           </a:p>
         </p:txBody>
       </p:sp>
-      <p:pic>
-        <p:nvPicPr>
-          <p:cNvPr id="8" name="Picture 7"/>
-          <p:cNvPicPr>
-            <a:picLocks noChangeAspect="1"/>
-          </p:cNvPicPr>
-          <p:nvPr userDrawn="1"/>
-        </p:nvPicPr>
-        <p:blipFill>
-          <a:blip r:embed="rId3">
-            <a:extLst>
-              <a:ext uri="{28A0092B-C50C-407E-A947-70E740481C1C}">
-                <a14:useLocalDpi xmlns:a14="http://schemas.microsoft.com/office/drawing/2010/main" val="0"/>
-              </a:ext>
-            </a:extLst>
-          </a:blip>
-          <a:stretch>
-            <a:fillRect/>
-          </a:stretch>
-        </p:blipFill>
-        <p:spPr>
-          <a:xfrm>
-            <a:off x="9578792" y="333532"/>
-            <a:ext cx="2003608" cy="247337"/>
-          </a:xfrm>
-          <a:prstGeom prst="rect">
-            <a:avLst/>
-          </a:prstGeom>
-        </p:spPr>
-      </p:pic>
       <p:sp>
         <p:nvSpPr>
           <p:cNvPr id="12" name="Text Placeholder 17"/>
@@ -11256,6 +11231,36 @@
           </a:p>
         </p:txBody>
       </p:sp>
+      <p:pic>
+        <p:nvPicPr>
+          <p:cNvPr id="2" name="Picture 1">
+            <a:extLst>
+              <a:ext uri="{FF2B5EF4-FFF2-40B4-BE49-F238E27FC236}">
+                <a16:creationId xmlns:a16="http://schemas.microsoft.com/office/drawing/2014/main" id="{6B4A66CB-39B0-4992-7B4D-0807D553B943}"/>
+              </a:ext>
+            </a:extLst>
+          </p:cNvPr>
+          <p:cNvPicPr>
+            <a:picLocks noChangeAspect="1"/>
+          </p:cNvPicPr>
+          <p:nvPr userDrawn="1"/>
+        </p:nvPicPr>
+        <p:blipFill>
+          <a:blip r:embed="rId3"/>
+          <a:stretch>
+            <a:fillRect/>
+          </a:stretch>
+        </p:blipFill>
+        <p:spPr>
+          <a:xfrm>
+            <a:off x="10503035" y="262669"/>
+            <a:ext cx="1079365" cy="380952"/>
+          </a:xfrm>
+          <a:prstGeom prst="rect">
+            <a:avLst/>
+          </a:prstGeom>
+        </p:spPr>
+      </p:pic>
     </p:spTree>
     <p:extLst>
       <p:ext uri="{BB962C8B-B14F-4D97-AF65-F5344CB8AC3E}">
@@ -11506,36 +11511,6 @@
           </a:p>
         </p:txBody>
       </p:sp>
-      <p:pic>
-        <p:nvPicPr>
-          <p:cNvPr id="8" name="Picture 7"/>
-          <p:cNvPicPr>
-            <a:picLocks noChangeAspect="1"/>
-          </p:cNvPicPr>
-          <p:nvPr userDrawn="1"/>
-        </p:nvPicPr>
-        <p:blipFill>
-          <a:blip r:embed="rId3">
-            <a:extLst>
-              <a:ext uri="{28A0092B-C50C-407E-A947-70E740481C1C}">
-                <a14:useLocalDpi xmlns:a14="http://schemas.microsoft.com/office/drawing/2010/main" val="0"/>
-              </a:ext>
-            </a:extLst>
-          </a:blip>
-          <a:stretch>
-            <a:fillRect/>
-          </a:stretch>
-        </p:blipFill>
-        <p:spPr>
-          <a:xfrm>
-            <a:off x="9578792" y="333532"/>
-            <a:ext cx="2003608" cy="247337"/>
-          </a:xfrm>
-          <a:prstGeom prst="rect">
-            <a:avLst/>
-          </a:prstGeom>
-        </p:spPr>
-      </p:pic>
       <p:sp>
         <p:nvSpPr>
           <p:cNvPr id="11" name="Text Placeholder 17"/>
@@ -11677,6 +11652,36 @@
           </a:p>
         </p:txBody>
       </p:sp>
+      <p:pic>
+        <p:nvPicPr>
+          <p:cNvPr id="2" name="Picture 1">
+            <a:extLst>
+              <a:ext uri="{FF2B5EF4-FFF2-40B4-BE49-F238E27FC236}">
+                <a16:creationId xmlns:a16="http://schemas.microsoft.com/office/drawing/2014/main" id="{7CBAE988-ED4B-4288-F453-F1569E27D668}"/>
+              </a:ext>
+            </a:extLst>
+          </p:cNvPr>
+          <p:cNvPicPr>
+            <a:picLocks noChangeAspect="1"/>
+          </p:cNvPicPr>
+          <p:nvPr userDrawn="1"/>
+        </p:nvPicPr>
+        <p:blipFill>
+          <a:blip r:embed="rId3"/>
+          <a:stretch>
+            <a:fillRect/>
+          </a:stretch>
+        </p:blipFill>
+        <p:spPr>
+          <a:xfrm>
+            <a:off x="10503035" y="262669"/>
+            <a:ext cx="1079365" cy="380952"/>
+          </a:xfrm>
+          <a:prstGeom prst="rect">
+            <a:avLst/>
+          </a:prstGeom>
+        </p:spPr>
+      </p:pic>
     </p:spTree>
     <p:extLst>
       <p:ext uri="{BB962C8B-B14F-4D97-AF65-F5344CB8AC3E}">
@@ -11773,31 +11778,6 @@
           <a:chExt cx="0" cy="0"/>
         </a:xfrm>
       </p:grpSpPr>
-      <p:pic>
-        <p:nvPicPr>
-          <p:cNvPr id="3" name="Picture 2" descr="CAST_grey_100_bl.jpg"/>
-          <p:cNvPicPr>
-            <a:picLocks noChangeAspect="1"/>
-          </p:cNvPicPr>
-          <p:nvPr userDrawn="1"/>
-        </p:nvPicPr>
-        <p:blipFill>
-          <a:blip r:embed="rId2" cstate="print"/>
-          <a:srcRect b="42816"/>
-          <a:stretch>
-            <a:fillRect/>
-          </a:stretch>
-        </p:blipFill>
-        <p:spPr>
-          <a:xfrm>
-            <a:off x="9381148" y="333532"/>
-            <a:ext cx="2222308" cy="247337"/>
-          </a:xfrm>
-          <a:prstGeom prst="rect">
-            <a:avLst/>
-          </a:prstGeom>
-        </p:spPr>
-      </p:pic>
       <p:sp>
         <p:nvSpPr>
           <p:cNvPr id="4" name="Slide Number Placeholder 3"/>
@@ -11858,6 +11838,36 @@
           </a:p>
         </p:txBody>
       </p:sp>
+      <p:pic>
+        <p:nvPicPr>
+          <p:cNvPr id="2" name="Picture 1">
+            <a:extLst>
+              <a:ext uri="{FF2B5EF4-FFF2-40B4-BE49-F238E27FC236}">
+                <a16:creationId xmlns:a16="http://schemas.microsoft.com/office/drawing/2014/main" id="{5E9A1D56-4E7D-2CD1-13EA-60F3CAA47502}"/>
+              </a:ext>
+            </a:extLst>
+          </p:cNvPr>
+          <p:cNvPicPr>
+            <a:picLocks noChangeAspect="1"/>
+          </p:cNvPicPr>
+          <p:nvPr userDrawn="1"/>
+        </p:nvPicPr>
+        <p:blipFill>
+          <a:blip r:embed="rId2"/>
+          <a:stretch>
+            <a:fillRect/>
+          </a:stretch>
+        </p:blipFill>
+        <p:spPr>
+          <a:xfrm>
+            <a:off x="10503035" y="262669"/>
+            <a:ext cx="1079365" cy="380952"/>
+          </a:xfrm>
+          <a:prstGeom prst="rect">
+            <a:avLst/>
+          </a:prstGeom>
+        </p:spPr>
+      </p:pic>
     </p:spTree>
     <p:extLst>
       <p:ext uri="{BB962C8B-B14F-4D97-AF65-F5344CB8AC3E}">
@@ -12111,36 +12121,6 @@
           </a:p>
         </p:txBody>
       </p:sp>
-      <p:pic>
-        <p:nvPicPr>
-          <p:cNvPr id="11" name="Picture 10"/>
-          <p:cNvPicPr>
-            <a:picLocks noChangeAspect="1"/>
-          </p:cNvPicPr>
-          <p:nvPr userDrawn="1"/>
-        </p:nvPicPr>
-        <p:blipFill>
-          <a:blip r:embed="rId2">
-            <a:extLst>
-              <a:ext uri="{28A0092B-C50C-407E-A947-70E740481C1C}">
-                <a14:useLocalDpi xmlns:a14="http://schemas.microsoft.com/office/drawing/2010/main" val="0"/>
-              </a:ext>
-            </a:extLst>
-          </a:blip>
-          <a:stretch>
-            <a:fillRect/>
-          </a:stretch>
-        </p:blipFill>
-        <p:spPr>
-          <a:xfrm>
-            <a:off x="9578792" y="333532"/>
-            <a:ext cx="2003608" cy="247337"/>
-          </a:xfrm>
-          <a:prstGeom prst="rect">
-            <a:avLst/>
-          </a:prstGeom>
-        </p:spPr>
-      </p:pic>
       <p:sp>
         <p:nvSpPr>
           <p:cNvPr id="9" name="Text Placeholder 7"/>
@@ -12203,6 +12183,36 @@
           </a:p>
         </p:txBody>
       </p:sp>
+      <p:pic>
+        <p:nvPicPr>
+          <p:cNvPr id="4" name="Picture 3">
+            <a:extLst>
+              <a:ext uri="{FF2B5EF4-FFF2-40B4-BE49-F238E27FC236}">
+                <a16:creationId xmlns:a16="http://schemas.microsoft.com/office/drawing/2014/main" id="{55C941C3-358C-7CE6-6AFF-A96C72E8CBE7}"/>
+              </a:ext>
+            </a:extLst>
+          </p:cNvPr>
+          <p:cNvPicPr>
+            <a:picLocks noChangeAspect="1"/>
+          </p:cNvPicPr>
+          <p:nvPr userDrawn="1"/>
+        </p:nvPicPr>
+        <p:blipFill>
+          <a:blip r:embed="rId2"/>
+          <a:stretch>
+            <a:fillRect/>
+          </a:stretch>
+        </p:blipFill>
+        <p:spPr>
+          <a:xfrm>
+            <a:off x="10503035" y="262669"/>
+            <a:ext cx="1079365" cy="380952"/>
+          </a:xfrm>
+          <a:prstGeom prst="rect">
+            <a:avLst/>
+          </a:prstGeom>
+        </p:spPr>
+      </p:pic>
     </p:spTree>
     <p:extLst>
       <p:ext uri="{BB962C8B-B14F-4D97-AF65-F5344CB8AC3E}">
@@ -12367,7 +12377,7 @@
           <a:p>
             <a:fld id="{B590C078-9131-4E49-8A0D-400FEE8377B5}" type="datetimeFigureOut">
               <a:rPr lang="en-US" smtClean="0"/>
-              <a:t>10/26/2021</a:t>
+              <a:t>2/20/2025</a:t>
             </a:fld>
             <a:endParaRPr lang="en-US"/>
           </a:p>

--- a/CastReporting.Reporting.Core/Templates/zh-Hans/Application/Component library/Generic Table Definition.pptx
+++ b/CastReporting.Reporting.Core/Templates/zh-Hans/Application/Component library/Generic Table Definition.pptx
@@ -222,7 +222,7 @@
           <a:p>
             <a:fld id="{BE7CF963-E58D-FC4D-BA9E-60A980752DC6}" type="datetimeFigureOut">
               <a:rPr lang="en-US" smtClean="0"/>
-              <a:t>10/26/2021</a:t>
+              <a:t>3/10/2025</a:t>
             </a:fld>
             <a:endParaRPr lang="en-US"/>
           </a:p>
@@ -879,7 +879,7 @@
           <a:p>
             <a:fld id="{B590C078-9131-4E49-8A0D-400FEE8377B5}" type="datetimeFigureOut">
               <a:rPr lang="en-US" smtClean="0"/>
-              <a:t>10/26/2021</a:t>
+              <a:t>3/10/2025</a:t>
             </a:fld>
             <a:endParaRPr lang="en-US"/>
           </a:p>
@@ -1003,36 +1003,6 @@
           </a:p>
         </p:txBody>
       </p:sp>
-      <p:pic>
-        <p:nvPicPr>
-          <p:cNvPr id="11" name="Picture 10"/>
-          <p:cNvPicPr>
-            <a:picLocks noChangeAspect="1"/>
-          </p:cNvPicPr>
-          <p:nvPr userDrawn="1"/>
-        </p:nvPicPr>
-        <p:blipFill>
-          <a:blip r:embed="rId2">
-            <a:extLst>
-              <a:ext uri="{28A0092B-C50C-407E-A947-70E740481C1C}">
-                <a14:useLocalDpi xmlns:a14="http://schemas.microsoft.com/office/drawing/2010/main" val="0"/>
-              </a:ext>
-            </a:extLst>
-          </a:blip>
-          <a:stretch>
-            <a:fillRect/>
-          </a:stretch>
-        </p:blipFill>
-        <p:spPr>
-          <a:xfrm>
-            <a:off x="9578792" y="333532"/>
-            <a:ext cx="2003608" cy="247337"/>
-          </a:xfrm>
-          <a:prstGeom prst="rect">
-            <a:avLst/>
-          </a:prstGeom>
-        </p:spPr>
-      </p:pic>
       <p:sp>
         <p:nvSpPr>
           <p:cNvPr id="10" name="TextBox 9"/>
@@ -1213,6 +1183,36 @@
           </a:p>
         </p:txBody>
       </p:sp>
+      <p:pic>
+        <p:nvPicPr>
+          <p:cNvPr id="2" name="Picture 1">
+            <a:extLst>
+              <a:ext uri="{FF2B5EF4-FFF2-40B4-BE49-F238E27FC236}">
+                <a16:creationId xmlns:a16="http://schemas.microsoft.com/office/drawing/2014/main" id="{D90BD535-01AD-352E-54A4-FEF8597E7FDC}"/>
+              </a:ext>
+            </a:extLst>
+          </p:cNvPr>
+          <p:cNvPicPr>
+            <a:picLocks noChangeAspect="1"/>
+          </p:cNvPicPr>
+          <p:nvPr userDrawn="1"/>
+        </p:nvPicPr>
+        <p:blipFill>
+          <a:blip r:embed="rId2"/>
+          <a:stretch>
+            <a:fillRect/>
+          </a:stretch>
+        </p:blipFill>
+        <p:spPr>
+          <a:xfrm>
+            <a:off x="10503035" y="266724"/>
+            <a:ext cx="1079365" cy="380952"/>
+          </a:xfrm>
+          <a:prstGeom prst="rect">
+            <a:avLst/>
+          </a:prstGeom>
+        </p:spPr>
+      </p:pic>
     </p:spTree>
     <p:extLst>
       <p:ext uri="{BB962C8B-B14F-4D97-AF65-F5344CB8AC3E}">
@@ -1350,36 +1350,6 @@
           </a:p>
         </p:txBody>
       </p:sp>
-      <p:pic>
-        <p:nvPicPr>
-          <p:cNvPr id="11" name="Picture 10"/>
-          <p:cNvPicPr>
-            <a:picLocks noChangeAspect="1"/>
-          </p:cNvPicPr>
-          <p:nvPr userDrawn="1"/>
-        </p:nvPicPr>
-        <p:blipFill>
-          <a:blip r:embed="rId2">
-            <a:extLst>
-              <a:ext uri="{28A0092B-C50C-407E-A947-70E740481C1C}">
-                <a14:useLocalDpi xmlns:a14="http://schemas.microsoft.com/office/drawing/2010/main" val="0"/>
-              </a:ext>
-            </a:extLst>
-          </a:blip>
-          <a:stretch>
-            <a:fillRect/>
-          </a:stretch>
-        </p:blipFill>
-        <p:spPr>
-          <a:xfrm>
-            <a:off x="9578792" y="333532"/>
-            <a:ext cx="2003608" cy="247337"/>
-          </a:xfrm>
-          <a:prstGeom prst="rect">
-            <a:avLst/>
-          </a:prstGeom>
-        </p:spPr>
-      </p:pic>
       <p:sp>
         <p:nvSpPr>
           <p:cNvPr id="10" name="TextBox 9"/>
@@ -1558,6 +1528,36 @@
           </a:p>
         </p:txBody>
       </p:sp>
+      <p:pic>
+        <p:nvPicPr>
+          <p:cNvPr id="2" name="Picture 1">
+            <a:extLst>
+              <a:ext uri="{FF2B5EF4-FFF2-40B4-BE49-F238E27FC236}">
+                <a16:creationId xmlns:a16="http://schemas.microsoft.com/office/drawing/2014/main" id="{A43FF4DB-202C-017E-9A26-B83F097B0FD9}"/>
+              </a:ext>
+            </a:extLst>
+          </p:cNvPr>
+          <p:cNvPicPr>
+            <a:picLocks noChangeAspect="1"/>
+          </p:cNvPicPr>
+          <p:nvPr userDrawn="1"/>
+        </p:nvPicPr>
+        <p:blipFill>
+          <a:blip r:embed="rId2"/>
+          <a:stretch>
+            <a:fillRect/>
+          </a:stretch>
+        </p:blipFill>
+        <p:spPr>
+          <a:xfrm>
+            <a:off x="10503035" y="266724"/>
+            <a:ext cx="1079365" cy="380952"/>
+          </a:xfrm>
+          <a:prstGeom prst="rect">
+            <a:avLst/>
+          </a:prstGeom>
+        </p:spPr>
+      </p:pic>
     </p:spTree>
     <p:extLst>
       <p:ext uri="{BB962C8B-B14F-4D97-AF65-F5344CB8AC3E}">
@@ -1695,36 +1695,6 @@
           </a:p>
         </p:txBody>
       </p:sp>
-      <p:pic>
-        <p:nvPicPr>
-          <p:cNvPr id="11" name="Picture 10"/>
-          <p:cNvPicPr>
-            <a:picLocks noChangeAspect="1"/>
-          </p:cNvPicPr>
-          <p:nvPr userDrawn="1"/>
-        </p:nvPicPr>
-        <p:blipFill>
-          <a:blip r:embed="rId2">
-            <a:extLst>
-              <a:ext uri="{28A0092B-C50C-407E-A947-70E740481C1C}">
-                <a14:useLocalDpi xmlns:a14="http://schemas.microsoft.com/office/drawing/2010/main" val="0"/>
-              </a:ext>
-            </a:extLst>
-          </a:blip>
-          <a:stretch>
-            <a:fillRect/>
-          </a:stretch>
-        </p:blipFill>
-        <p:spPr>
-          <a:xfrm>
-            <a:off x="9578792" y="333532"/>
-            <a:ext cx="2003608" cy="247337"/>
-          </a:xfrm>
-          <a:prstGeom prst="rect">
-            <a:avLst/>
-          </a:prstGeom>
-        </p:spPr>
-      </p:pic>
       <p:sp>
         <p:nvSpPr>
           <p:cNvPr id="10" name="TextBox 9"/>
@@ -1903,6 +1873,36 @@
           </a:p>
         </p:txBody>
       </p:sp>
+      <p:pic>
+        <p:nvPicPr>
+          <p:cNvPr id="2" name="Picture 1">
+            <a:extLst>
+              <a:ext uri="{FF2B5EF4-FFF2-40B4-BE49-F238E27FC236}">
+                <a16:creationId xmlns:a16="http://schemas.microsoft.com/office/drawing/2014/main" id="{6407D166-2D7D-19F5-A168-1F3B31ED2B7C}"/>
+              </a:ext>
+            </a:extLst>
+          </p:cNvPr>
+          <p:cNvPicPr>
+            <a:picLocks noChangeAspect="1"/>
+          </p:cNvPicPr>
+          <p:nvPr userDrawn="1"/>
+        </p:nvPicPr>
+        <p:blipFill>
+          <a:blip r:embed="rId2"/>
+          <a:stretch>
+            <a:fillRect/>
+          </a:stretch>
+        </p:blipFill>
+        <p:spPr>
+          <a:xfrm>
+            <a:off x="10503035" y="266724"/>
+            <a:ext cx="1079365" cy="380952"/>
+          </a:xfrm>
+          <a:prstGeom prst="rect">
+            <a:avLst/>
+          </a:prstGeom>
+        </p:spPr>
+      </p:pic>
     </p:spTree>
     <p:extLst>
       <p:ext uri="{BB962C8B-B14F-4D97-AF65-F5344CB8AC3E}">
@@ -2040,36 +2040,6 @@
           </a:p>
         </p:txBody>
       </p:sp>
-      <p:pic>
-        <p:nvPicPr>
-          <p:cNvPr id="11" name="Picture 10"/>
-          <p:cNvPicPr>
-            <a:picLocks noChangeAspect="1"/>
-          </p:cNvPicPr>
-          <p:nvPr userDrawn="1"/>
-        </p:nvPicPr>
-        <p:blipFill>
-          <a:blip r:embed="rId2">
-            <a:extLst>
-              <a:ext uri="{28A0092B-C50C-407E-A947-70E740481C1C}">
-                <a14:useLocalDpi xmlns:a14="http://schemas.microsoft.com/office/drawing/2010/main" val="0"/>
-              </a:ext>
-            </a:extLst>
-          </a:blip>
-          <a:stretch>
-            <a:fillRect/>
-          </a:stretch>
-        </p:blipFill>
-        <p:spPr>
-          <a:xfrm>
-            <a:off x="9578792" y="333532"/>
-            <a:ext cx="2003608" cy="247337"/>
-          </a:xfrm>
-          <a:prstGeom prst="rect">
-            <a:avLst/>
-          </a:prstGeom>
-        </p:spPr>
-      </p:pic>
       <p:sp>
         <p:nvSpPr>
           <p:cNvPr id="10" name="TextBox 9"/>
@@ -2248,6 +2218,36 @@
           </a:p>
         </p:txBody>
       </p:sp>
+      <p:pic>
+        <p:nvPicPr>
+          <p:cNvPr id="2" name="Picture 1">
+            <a:extLst>
+              <a:ext uri="{FF2B5EF4-FFF2-40B4-BE49-F238E27FC236}">
+                <a16:creationId xmlns:a16="http://schemas.microsoft.com/office/drawing/2014/main" id="{5DD8ADEE-E1F3-8F53-0196-2031A40D77EC}"/>
+              </a:ext>
+            </a:extLst>
+          </p:cNvPr>
+          <p:cNvPicPr>
+            <a:picLocks noChangeAspect="1"/>
+          </p:cNvPicPr>
+          <p:nvPr userDrawn="1"/>
+        </p:nvPicPr>
+        <p:blipFill>
+          <a:blip r:embed="rId2"/>
+          <a:stretch>
+            <a:fillRect/>
+          </a:stretch>
+        </p:blipFill>
+        <p:spPr>
+          <a:xfrm>
+            <a:off x="10503035" y="266724"/>
+            <a:ext cx="1079365" cy="380952"/>
+          </a:xfrm>
+          <a:prstGeom prst="rect">
+            <a:avLst/>
+          </a:prstGeom>
+        </p:spPr>
+      </p:pic>
     </p:spTree>
     <p:extLst>
       <p:ext uri="{BB962C8B-B14F-4D97-AF65-F5344CB8AC3E}">
@@ -2388,36 +2388,6 @@
           </a:p>
         </p:txBody>
       </p:sp>
-      <p:pic>
-        <p:nvPicPr>
-          <p:cNvPr id="11" name="Picture 10"/>
-          <p:cNvPicPr>
-            <a:picLocks noChangeAspect="1"/>
-          </p:cNvPicPr>
-          <p:nvPr userDrawn="1"/>
-        </p:nvPicPr>
-        <p:blipFill>
-          <a:blip r:embed="rId2">
-            <a:extLst>
-              <a:ext uri="{28A0092B-C50C-407E-A947-70E740481C1C}">
-                <a14:useLocalDpi xmlns:a14="http://schemas.microsoft.com/office/drawing/2010/main" val="0"/>
-              </a:ext>
-            </a:extLst>
-          </a:blip>
-          <a:stretch>
-            <a:fillRect/>
-          </a:stretch>
-        </p:blipFill>
-        <p:spPr>
-          <a:xfrm>
-            <a:off x="9578792" y="333532"/>
-            <a:ext cx="2003608" cy="247337"/>
-          </a:xfrm>
-          <a:prstGeom prst="rect">
-            <a:avLst/>
-          </a:prstGeom>
-        </p:spPr>
-      </p:pic>
       <p:sp>
         <p:nvSpPr>
           <p:cNvPr id="10" name="TextBox 9"/>
@@ -2596,6 +2566,36 @@
           </a:p>
         </p:txBody>
       </p:sp>
+      <p:pic>
+        <p:nvPicPr>
+          <p:cNvPr id="2" name="Picture 1">
+            <a:extLst>
+              <a:ext uri="{FF2B5EF4-FFF2-40B4-BE49-F238E27FC236}">
+                <a16:creationId xmlns:a16="http://schemas.microsoft.com/office/drawing/2014/main" id="{BA9026B3-7C4A-3955-3C8B-B4AA2E8E156D}"/>
+              </a:ext>
+            </a:extLst>
+          </p:cNvPr>
+          <p:cNvPicPr>
+            <a:picLocks noChangeAspect="1"/>
+          </p:cNvPicPr>
+          <p:nvPr userDrawn="1"/>
+        </p:nvPicPr>
+        <p:blipFill>
+          <a:blip r:embed="rId2"/>
+          <a:stretch>
+            <a:fillRect/>
+          </a:stretch>
+        </p:blipFill>
+        <p:spPr>
+          <a:xfrm>
+            <a:off x="10503035" y="266724"/>
+            <a:ext cx="1079365" cy="380952"/>
+          </a:xfrm>
+          <a:prstGeom prst="rect">
+            <a:avLst/>
+          </a:prstGeom>
+        </p:spPr>
+      </p:pic>
     </p:spTree>
     <p:extLst>
       <p:ext uri="{BB962C8B-B14F-4D97-AF65-F5344CB8AC3E}">
@@ -2733,36 +2733,6 @@
           </a:p>
         </p:txBody>
       </p:sp>
-      <p:pic>
-        <p:nvPicPr>
-          <p:cNvPr id="11" name="Picture 10"/>
-          <p:cNvPicPr>
-            <a:picLocks noChangeAspect="1"/>
-          </p:cNvPicPr>
-          <p:nvPr userDrawn="1"/>
-        </p:nvPicPr>
-        <p:blipFill>
-          <a:blip r:embed="rId2">
-            <a:extLst>
-              <a:ext uri="{28A0092B-C50C-407E-A947-70E740481C1C}">
-                <a14:useLocalDpi xmlns:a14="http://schemas.microsoft.com/office/drawing/2010/main" val="0"/>
-              </a:ext>
-            </a:extLst>
-          </a:blip>
-          <a:stretch>
-            <a:fillRect/>
-          </a:stretch>
-        </p:blipFill>
-        <p:spPr>
-          <a:xfrm>
-            <a:off x="9578792" y="333532"/>
-            <a:ext cx="2003608" cy="247337"/>
-          </a:xfrm>
-          <a:prstGeom prst="rect">
-            <a:avLst/>
-          </a:prstGeom>
-        </p:spPr>
-      </p:pic>
       <p:sp>
         <p:nvSpPr>
           <p:cNvPr id="10" name="TextBox 9"/>
@@ -2944,6 +2914,36 @@
           </a:p>
         </p:txBody>
       </p:sp>
+      <p:pic>
+        <p:nvPicPr>
+          <p:cNvPr id="2" name="Picture 1">
+            <a:extLst>
+              <a:ext uri="{FF2B5EF4-FFF2-40B4-BE49-F238E27FC236}">
+                <a16:creationId xmlns:a16="http://schemas.microsoft.com/office/drawing/2014/main" id="{0447C18D-F608-FCD7-E787-48C12E3FB2E0}"/>
+              </a:ext>
+            </a:extLst>
+          </p:cNvPr>
+          <p:cNvPicPr>
+            <a:picLocks noChangeAspect="1"/>
+          </p:cNvPicPr>
+          <p:nvPr userDrawn="1"/>
+        </p:nvPicPr>
+        <p:blipFill>
+          <a:blip r:embed="rId2"/>
+          <a:stretch>
+            <a:fillRect/>
+          </a:stretch>
+        </p:blipFill>
+        <p:spPr>
+          <a:xfrm>
+            <a:off x="10503035" y="266724"/>
+            <a:ext cx="1079365" cy="380952"/>
+          </a:xfrm>
+          <a:prstGeom prst="rect">
+            <a:avLst/>
+          </a:prstGeom>
+        </p:spPr>
+      </p:pic>
     </p:spTree>
     <p:extLst>
       <p:ext uri="{BB962C8B-B14F-4D97-AF65-F5344CB8AC3E}">
@@ -3187,36 +3187,6 @@
           </a:p>
         </p:txBody>
       </p:sp>
-      <p:pic>
-        <p:nvPicPr>
-          <p:cNvPr id="11" name="Picture 10"/>
-          <p:cNvPicPr>
-            <a:picLocks noChangeAspect="1"/>
-          </p:cNvPicPr>
-          <p:nvPr userDrawn="1"/>
-        </p:nvPicPr>
-        <p:blipFill>
-          <a:blip r:embed="rId2">
-            <a:extLst>
-              <a:ext uri="{28A0092B-C50C-407E-A947-70E740481C1C}">
-                <a14:useLocalDpi xmlns:a14="http://schemas.microsoft.com/office/drawing/2010/main" val="0"/>
-              </a:ext>
-            </a:extLst>
-          </a:blip>
-          <a:stretch>
-            <a:fillRect/>
-          </a:stretch>
-        </p:blipFill>
-        <p:spPr>
-          <a:xfrm>
-            <a:off x="9578792" y="333532"/>
-            <a:ext cx="2003608" cy="247337"/>
-          </a:xfrm>
-          <a:prstGeom prst="rect">
-            <a:avLst/>
-          </a:prstGeom>
-        </p:spPr>
-      </p:pic>
       <p:sp>
         <p:nvSpPr>
           <p:cNvPr id="9" name="Text Placeholder 7"/>
@@ -3290,6 +3260,36 @@
           </a:p>
         </p:txBody>
       </p:sp>
+      <p:pic>
+        <p:nvPicPr>
+          <p:cNvPr id="2" name="Picture 1">
+            <a:extLst>
+              <a:ext uri="{FF2B5EF4-FFF2-40B4-BE49-F238E27FC236}">
+                <a16:creationId xmlns:a16="http://schemas.microsoft.com/office/drawing/2014/main" id="{75B2FEA3-3E3A-6600-AB4A-1C555CCAF379}"/>
+              </a:ext>
+            </a:extLst>
+          </p:cNvPr>
+          <p:cNvPicPr>
+            <a:picLocks noChangeAspect="1"/>
+          </p:cNvPicPr>
+          <p:nvPr userDrawn="1"/>
+        </p:nvPicPr>
+        <p:blipFill>
+          <a:blip r:embed="rId2"/>
+          <a:stretch>
+            <a:fillRect/>
+          </a:stretch>
+        </p:blipFill>
+        <p:spPr>
+          <a:xfrm>
+            <a:off x="10503035" y="266724"/>
+            <a:ext cx="1079365" cy="380952"/>
+          </a:xfrm>
+          <a:prstGeom prst="rect">
+            <a:avLst/>
+          </a:prstGeom>
+        </p:spPr>
+      </p:pic>
     </p:spTree>
     <p:extLst>
       <p:ext uri="{BB962C8B-B14F-4D97-AF65-F5344CB8AC3E}">
@@ -3427,36 +3427,6 @@
           </a:p>
         </p:txBody>
       </p:sp>
-      <p:pic>
-        <p:nvPicPr>
-          <p:cNvPr id="11" name="Picture 10"/>
-          <p:cNvPicPr>
-            <a:picLocks noChangeAspect="1"/>
-          </p:cNvPicPr>
-          <p:nvPr userDrawn="1"/>
-        </p:nvPicPr>
-        <p:blipFill>
-          <a:blip r:embed="rId2">
-            <a:extLst>
-              <a:ext uri="{28A0092B-C50C-407E-A947-70E740481C1C}">
-                <a14:useLocalDpi xmlns:a14="http://schemas.microsoft.com/office/drawing/2010/main" val="0"/>
-              </a:ext>
-            </a:extLst>
-          </a:blip>
-          <a:stretch>
-            <a:fillRect/>
-          </a:stretch>
-        </p:blipFill>
-        <p:spPr>
-          <a:xfrm>
-            <a:off x="9578792" y="333532"/>
-            <a:ext cx="2003608" cy="247337"/>
-          </a:xfrm>
-          <a:prstGeom prst="rect">
-            <a:avLst/>
-          </a:prstGeom>
-        </p:spPr>
-      </p:pic>
       <p:sp>
         <p:nvSpPr>
           <p:cNvPr id="10" name="TextBox 9"/>
@@ -3637,6 +3607,36 @@
           </a:p>
         </p:txBody>
       </p:sp>
+      <p:pic>
+        <p:nvPicPr>
+          <p:cNvPr id="2" name="Picture 1">
+            <a:extLst>
+              <a:ext uri="{FF2B5EF4-FFF2-40B4-BE49-F238E27FC236}">
+                <a16:creationId xmlns:a16="http://schemas.microsoft.com/office/drawing/2014/main" id="{4469C721-DDA7-F3C8-481F-9248C1820E20}"/>
+              </a:ext>
+            </a:extLst>
+          </p:cNvPr>
+          <p:cNvPicPr>
+            <a:picLocks noChangeAspect="1"/>
+          </p:cNvPicPr>
+          <p:nvPr userDrawn="1"/>
+        </p:nvPicPr>
+        <p:blipFill>
+          <a:blip r:embed="rId2"/>
+          <a:stretch>
+            <a:fillRect/>
+          </a:stretch>
+        </p:blipFill>
+        <p:spPr>
+          <a:xfrm>
+            <a:off x="10503035" y="266724"/>
+            <a:ext cx="1079365" cy="380952"/>
+          </a:xfrm>
+          <a:prstGeom prst="rect">
+            <a:avLst/>
+          </a:prstGeom>
+        </p:spPr>
+      </p:pic>
     </p:spTree>
     <p:extLst>
       <p:ext uri="{BB962C8B-B14F-4D97-AF65-F5344CB8AC3E}">
@@ -3774,36 +3774,6 @@
           </a:p>
         </p:txBody>
       </p:sp>
-      <p:pic>
-        <p:nvPicPr>
-          <p:cNvPr id="11" name="Picture 10"/>
-          <p:cNvPicPr>
-            <a:picLocks noChangeAspect="1"/>
-          </p:cNvPicPr>
-          <p:nvPr userDrawn="1"/>
-        </p:nvPicPr>
-        <p:blipFill>
-          <a:blip r:embed="rId2">
-            <a:extLst>
-              <a:ext uri="{28A0092B-C50C-407E-A947-70E740481C1C}">
-                <a14:useLocalDpi xmlns:a14="http://schemas.microsoft.com/office/drawing/2010/main" val="0"/>
-              </a:ext>
-            </a:extLst>
-          </a:blip>
-          <a:stretch>
-            <a:fillRect/>
-          </a:stretch>
-        </p:blipFill>
-        <p:spPr>
-          <a:xfrm>
-            <a:off x="9578792" y="333532"/>
-            <a:ext cx="2003608" cy="247337"/>
-          </a:xfrm>
-          <a:prstGeom prst="rect">
-            <a:avLst/>
-          </a:prstGeom>
-        </p:spPr>
-      </p:pic>
       <p:sp>
         <p:nvSpPr>
           <p:cNvPr id="10" name="TextBox 9"/>
@@ -3983,6 +3953,36 @@
           </a:p>
         </p:txBody>
       </p:sp>
+      <p:pic>
+        <p:nvPicPr>
+          <p:cNvPr id="2" name="Picture 1">
+            <a:extLst>
+              <a:ext uri="{FF2B5EF4-FFF2-40B4-BE49-F238E27FC236}">
+                <a16:creationId xmlns:a16="http://schemas.microsoft.com/office/drawing/2014/main" id="{D4871CDD-384E-82AC-4B65-49E2471ECD43}"/>
+              </a:ext>
+            </a:extLst>
+          </p:cNvPr>
+          <p:cNvPicPr>
+            <a:picLocks noChangeAspect="1"/>
+          </p:cNvPicPr>
+          <p:nvPr userDrawn="1"/>
+        </p:nvPicPr>
+        <p:blipFill>
+          <a:blip r:embed="rId2"/>
+          <a:stretch>
+            <a:fillRect/>
+          </a:stretch>
+        </p:blipFill>
+        <p:spPr>
+          <a:xfrm>
+            <a:off x="10503035" y="266724"/>
+            <a:ext cx="1079365" cy="380952"/>
+          </a:xfrm>
+          <a:prstGeom prst="rect">
+            <a:avLst/>
+          </a:prstGeom>
+        </p:spPr>
+      </p:pic>
     </p:spTree>
     <p:extLst>
       <p:ext uri="{BB962C8B-B14F-4D97-AF65-F5344CB8AC3E}">
@@ -4120,36 +4120,6 @@
           </a:p>
         </p:txBody>
       </p:sp>
-      <p:pic>
-        <p:nvPicPr>
-          <p:cNvPr id="11" name="Picture 10"/>
-          <p:cNvPicPr>
-            <a:picLocks noChangeAspect="1"/>
-          </p:cNvPicPr>
-          <p:nvPr userDrawn="1"/>
-        </p:nvPicPr>
-        <p:blipFill>
-          <a:blip r:embed="rId2">
-            <a:extLst>
-              <a:ext uri="{28A0092B-C50C-407E-A947-70E740481C1C}">
-                <a14:useLocalDpi xmlns:a14="http://schemas.microsoft.com/office/drawing/2010/main" val="0"/>
-              </a:ext>
-            </a:extLst>
-          </a:blip>
-          <a:stretch>
-            <a:fillRect/>
-          </a:stretch>
-        </p:blipFill>
-        <p:spPr>
-          <a:xfrm>
-            <a:off x="9578792" y="333532"/>
-            <a:ext cx="2003608" cy="247337"/>
-          </a:xfrm>
-          <a:prstGeom prst="rect">
-            <a:avLst/>
-          </a:prstGeom>
-        </p:spPr>
-      </p:pic>
       <p:sp>
         <p:nvSpPr>
           <p:cNvPr id="10" name="TextBox 9"/>
@@ -4329,6 +4299,36 @@
           </a:p>
         </p:txBody>
       </p:sp>
+      <p:pic>
+        <p:nvPicPr>
+          <p:cNvPr id="2" name="Picture 1">
+            <a:extLst>
+              <a:ext uri="{FF2B5EF4-FFF2-40B4-BE49-F238E27FC236}">
+                <a16:creationId xmlns:a16="http://schemas.microsoft.com/office/drawing/2014/main" id="{4D50802D-98A5-0EB0-D58C-71F2D3C4F25D}"/>
+              </a:ext>
+            </a:extLst>
+          </p:cNvPr>
+          <p:cNvPicPr>
+            <a:picLocks noChangeAspect="1"/>
+          </p:cNvPicPr>
+          <p:nvPr userDrawn="1"/>
+        </p:nvPicPr>
+        <p:blipFill>
+          <a:blip r:embed="rId2"/>
+          <a:stretch>
+            <a:fillRect/>
+          </a:stretch>
+        </p:blipFill>
+        <p:spPr>
+          <a:xfrm>
+            <a:off x="10503035" y="266724"/>
+            <a:ext cx="1079365" cy="380952"/>
+          </a:xfrm>
+          <a:prstGeom prst="rect">
+            <a:avLst/>
+          </a:prstGeom>
+        </p:spPr>
+      </p:pic>
     </p:spTree>
     <p:extLst>
       <p:ext uri="{BB962C8B-B14F-4D97-AF65-F5344CB8AC3E}">
@@ -4464,7 +4464,7 @@
           <a:p>
             <a:fld id="{B590C078-9131-4E49-8A0D-400FEE8377B5}" type="datetimeFigureOut">
               <a:rPr lang="en-US" smtClean="0"/>
-              <a:t>10/26/2021</a:t>
+              <a:t>3/10/2025</a:t>
             </a:fld>
             <a:endParaRPr lang="en-US"/>
           </a:p>
@@ -4640,36 +4640,6 @@
           </a:p>
         </p:txBody>
       </p:sp>
-      <p:pic>
-        <p:nvPicPr>
-          <p:cNvPr id="11" name="Picture 10"/>
-          <p:cNvPicPr>
-            <a:picLocks noChangeAspect="1"/>
-          </p:cNvPicPr>
-          <p:nvPr userDrawn="1"/>
-        </p:nvPicPr>
-        <p:blipFill>
-          <a:blip r:embed="rId2">
-            <a:extLst>
-              <a:ext uri="{28A0092B-C50C-407E-A947-70E740481C1C}">
-                <a14:useLocalDpi xmlns:a14="http://schemas.microsoft.com/office/drawing/2010/main" val="0"/>
-              </a:ext>
-            </a:extLst>
-          </a:blip>
-          <a:stretch>
-            <a:fillRect/>
-          </a:stretch>
-        </p:blipFill>
-        <p:spPr>
-          <a:xfrm>
-            <a:off x="9578792" y="333532"/>
-            <a:ext cx="2003608" cy="247337"/>
-          </a:xfrm>
-          <a:prstGeom prst="rect">
-            <a:avLst/>
-          </a:prstGeom>
-        </p:spPr>
-      </p:pic>
       <p:sp>
         <p:nvSpPr>
           <p:cNvPr id="10" name="TextBox 9"/>
@@ -4849,6 +4819,36 @@
           </a:p>
         </p:txBody>
       </p:sp>
+      <p:pic>
+        <p:nvPicPr>
+          <p:cNvPr id="2" name="Picture 1">
+            <a:extLst>
+              <a:ext uri="{FF2B5EF4-FFF2-40B4-BE49-F238E27FC236}">
+                <a16:creationId xmlns:a16="http://schemas.microsoft.com/office/drawing/2014/main" id="{86AE9CFC-D16F-A3C8-897F-19A0730290B8}"/>
+              </a:ext>
+            </a:extLst>
+          </p:cNvPr>
+          <p:cNvPicPr>
+            <a:picLocks noChangeAspect="1"/>
+          </p:cNvPicPr>
+          <p:nvPr userDrawn="1"/>
+        </p:nvPicPr>
+        <p:blipFill>
+          <a:blip r:embed="rId2"/>
+          <a:stretch>
+            <a:fillRect/>
+          </a:stretch>
+        </p:blipFill>
+        <p:spPr>
+          <a:xfrm>
+            <a:off x="10503035" y="266724"/>
+            <a:ext cx="1079365" cy="380952"/>
+          </a:xfrm>
+          <a:prstGeom prst="rect">
+            <a:avLst/>
+          </a:prstGeom>
+        </p:spPr>
+      </p:pic>
     </p:spTree>
     <p:extLst>
       <p:ext uri="{BB962C8B-B14F-4D97-AF65-F5344CB8AC3E}">
@@ -4989,36 +4989,6 @@
           </a:p>
         </p:txBody>
       </p:sp>
-      <p:pic>
-        <p:nvPicPr>
-          <p:cNvPr id="11" name="Picture 10"/>
-          <p:cNvPicPr>
-            <a:picLocks noChangeAspect="1"/>
-          </p:cNvPicPr>
-          <p:nvPr userDrawn="1"/>
-        </p:nvPicPr>
-        <p:blipFill>
-          <a:blip r:embed="rId2">
-            <a:extLst>
-              <a:ext uri="{28A0092B-C50C-407E-A947-70E740481C1C}">
-                <a14:useLocalDpi xmlns:a14="http://schemas.microsoft.com/office/drawing/2010/main" val="0"/>
-              </a:ext>
-            </a:extLst>
-          </a:blip>
-          <a:stretch>
-            <a:fillRect/>
-          </a:stretch>
-        </p:blipFill>
-        <p:spPr>
-          <a:xfrm>
-            <a:off x="9578792" y="333532"/>
-            <a:ext cx="2003608" cy="247337"/>
-          </a:xfrm>
-          <a:prstGeom prst="rect">
-            <a:avLst/>
-          </a:prstGeom>
-        </p:spPr>
-      </p:pic>
       <p:sp>
         <p:nvSpPr>
           <p:cNvPr id="10" name="TextBox 9"/>
@@ -5198,6 +5168,36 @@
           </a:p>
         </p:txBody>
       </p:sp>
+      <p:pic>
+        <p:nvPicPr>
+          <p:cNvPr id="2" name="Picture 1">
+            <a:extLst>
+              <a:ext uri="{FF2B5EF4-FFF2-40B4-BE49-F238E27FC236}">
+                <a16:creationId xmlns:a16="http://schemas.microsoft.com/office/drawing/2014/main" id="{EF680201-6BEC-6CE7-1824-2E2E8902C416}"/>
+              </a:ext>
+            </a:extLst>
+          </p:cNvPr>
+          <p:cNvPicPr>
+            <a:picLocks noChangeAspect="1"/>
+          </p:cNvPicPr>
+          <p:nvPr userDrawn="1"/>
+        </p:nvPicPr>
+        <p:blipFill>
+          <a:blip r:embed="rId2"/>
+          <a:stretch>
+            <a:fillRect/>
+          </a:stretch>
+        </p:blipFill>
+        <p:spPr>
+          <a:xfrm>
+            <a:off x="10503035" y="266724"/>
+            <a:ext cx="1079365" cy="380952"/>
+          </a:xfrm>
+          <a:prstGeom prst="rect">
+            <a:avLst/>
+          </a:prstGeom>
+        </p:spPr>
+      </p:pic>
     </p:spTree>
     <p:extLst>
       <p:ext uri="{BB962C8B-B14F-4D97-AF65-F5344CB8AC3E}">
@@ -5335,36 +5335,6 @@
           </a:p>
         </p:txBody>
       </p:sp>
-      <p:pic>
-        <p:nvPicPr>
-          <p:cNvPr id="11" name="Picture 10"/>
-          <p:cNvPicPr>
-            <a:picLocks noChangeAspect="1"/>
-          </p:cNvPicPr>
-          <p:nvPr userDrawn="1"/>
-        </p:nvPicPr>
-        <p:blipFill>
-          <a:blip r:embed="rId2">
-            <a:extLst>
-              <a:ext uri="{28A0092B-C50C-407E-A947-70E740481C1C}">
-                <a14:useLocalDpi xmlns:a14="http://schemas.microsoft.com/office/drawing/2010/main" val="0"/>
-              </a:ext>
-            </a:extLst>
-          </a:blip>
-          <a:stretch>
-            <a:fillRect/>
-          </a:stretch>
-        </p:blipFill>
-        <p:spPr>
-          <a:xfrm>
-            <a:off x="9578792" y="333532"/>
-            <a:ext cx="2003608" cy="247337"/>
-          </a:xfrm>
-          <a:prstGeom prst="rect">
-            <a:avLst/>
-          </a:prstGeom>
-        </p:spPr>
-      </p:pic>
       <p:sp>
         <p:nvSpPr>
           <p:cNvPr id="10" name="TextBox 9"/>
@@ -5544,6 +5514,36 @@
           </a:p>
         </p:txBody>
       </p:sp>
+      <p:pic>
+        <p:nvPicPr>
+          <p:cNvPr id="2" name="Picture 1">
+            <a:extLst>
+              <a:ext uri="{FF2B5EF4-FFF2-40B4-BE49-F238E27FC236}">
+                <a16:creationId xmlns:a16="http://schemas.microsoft.com/office/drawing/2014/main" id="{1137FDED-143A-D3CD-525C-F4DA149D4744}"/>
+              </a:ext>
+            </a:extLst>
+          </p:cNvPr>
+          <p:cNvPicPr>
+            <a:picLocks noChangeAspect="1"/>
+          </p:cNvPicPr>
+          <p:nvPr userDrawn="1"/>
+        </p:nvPicPr>
+        <p:blipFill>
+          <a:blip r:embed="rId2"/>
+          <a:stretch>
+            <a:fillRect/>
+          </a:stretch>
+        </p:blipFill>
+        <p:spPr>
+          <a:xfrm>
+            <a:off x="10503035" y="266724"/>
+            <a:ext cx="1079365" cy="380952"/>
+          </a:xfrm>
+          <a:prstGeom prst="rect">
+            <a:avLst/>
+          </a:prstGeom>
+        </p:spPr>
+      </p:pic>
     </p:spTree>
     <p:extLst>
       <p:ext uri="{BB962C8B-B14F-4D97-AF65-F5344CB8AC3E}">
@@ -5681,36 +5681,6 @@
           </a:p>
         </p:txBody>
       </p:sp>
-      <p:pic>
-        <p:nvPicPr>
-          <p:cNvPr id="37" name="Picture 36"/>
-          <p:cNvPicPr>
-            <a:picLocks noChangeAspect="1"/>
-          </p:cNvPicPr>
-          <p:nvPr userDrawn="1"/>
-        </p:nvPicPr>
-        <p:blipFill>
-          <a:blip r:embed="rId2">
-            <a:extLst>
-              <a:ext uri="{28A0092B-C50C-407E-A947-70E740481C1C}">
-                <a14:useLocalDpi xmlns:a14="http://schemas.microsoft.com/office/drawing/2010/main" val="0"/>
-              </a:ext>
-            </a:extLst>
-          </a:blip>
-          <a:stretch>
-            <a:fillRect/>
-          </a:stretch>
-        </p:blipFill>
-        <p:spPr>
-          <a:xfrm>
-            <a:off x="9578792" y="333532"/>
-            <a:ext cx="2003608" cy="247337"/>
-          </a:xfrm>
-          <a:prstGeom prst="rect">
-            <a:avLst/>
-          </a:prstGeom>
-        </p:spPr>
-      </p:pic>
       <p:sp>
         <p:nvSpPr>
           <p:cNvPr id="11" name="TextBox 10"/>
@@ -5936,6 +5906,36 @@
           </a:p>
         </p:txBody>
       </p:sp>
+      <p:pic>
+        <p:nvPicPr>
+          <p:cNvPr id="2" name="Picture 1">
+            <a:extLst>
+              <a:ext uri="{FF2B5EF4-FFF2-40B4-BE49-F238E27FC236}">
+                <a16:creationId xmlns:a16="http://schemas.microsoft.com/office/drawing/2014/main" id="{8C3B289E-2651-AE96-B70F-C83D3C8DDAD3}"/>
+              </a:ext>
+            </a:extLst>
+          </p:cNvPr>
+          <p:cNvPicPr>
+            <a:picLocks noChangeAspect="1"/>
+          </p:cNvPicPr>
+          <p:nvPr userDrawn="1"/>
+        </p:nvPicPr>
+        <p:blipFill>
+          <a:blip r:embed="rId2"/>
+          <a:stretch>
+            <a:fillRect/>
+          </a:stretch>
+        </p:blipFill>
+        <p:spPr>
+          <a:xfrm>
+            <a:off x="10503035" y="266724"/>
+            <a:ext cx="1079365" cy="380952"/>
+          </a:xfrm>
+          <a:prstGeom prst="rect">
+            <a:avLst/>
+          </a:prstGeom>
+        </p:spPr>
+      </p:pic>
     </p:spTree>
     <p:extLst>
       <p:ext uri="{BB962C8B-B14F-4D97-AF65-F5344CB8AC3E}">
@@ -6073,36 +6073,6 @@
           </a:p>
         </p:txBody>
       </p:sp>
-      <p:pic>
-        <p:nvPicPr>
-          <p:cNvPr id="37" name="Picture 36"/>
-          <p:cNvPicPr>
-            <a:picLocks noChangeAspect="1"/>
-          </p:cNvPicPr>
-          <p:nvPr userDrawn="1"/>
-        </p:nvPicPr>
-        <p:blipFill>
-          <a:blip r:embed="rId2">
-            <a:extLst>
-              <a:ext uri="{28A0092B-C50C-407E-A947-70E740481C1C}">
-                <a14:useLocalDpi xmlns:a14="http://schemas.microsoft.com/office/drawing/2010/main" val="0"/>
-              </a:ext>
-            </a:extLst>
-          </a:blip>
-          <a:stretch>
-            <a:fillRect/>
-          </a:stretch>
-        </p:blipFill>
-        <p:spPr>
-          <a:xfrm>
-            <a:off x="9578792" y="333532"/>
-            <a:ext cx="2003608" cy="247337"/>
-          </a:xfrm>
-          <a:prstGeom prst="rect">
-            <a:avLst/>
-          </a:prstGeom>
-        </p:spPr>
-      </p:pic>
       <p:sp>
         <p:nvSpPr>
           <p:cNvPr id="11" name="TextBox 10"/>
@@ -6328,6 +6298,36 @@
           </a:p>
         </p:txBody>
       </p:sp>
+      <p:pic>
+        <p:nvPicPr>
+          <p:cNvPr id="2" name="Picture 1">
+            <a:extLst>
+              <a:ext uri="{FF2B5EF4-FFF2-40B4-BE49-F238E27FC236}">
+                <a16:creationId xmlns:a16="http://schemas.microsoft.com/office/drawing/2014/main" id="{E9C10B18-55EF-ECDC-B800-74C41A836BBB}"/>
+              </a:ext>
+            </a:extLst>
+          </p:cNvPr>
+          <p:cNvPicPr>
+            <a:picLocks noChangeAspect="1"/>
+          </p:cNvPicPr>
+          <p:nvPr userDrawn="1"/>
+        </p:nvPicPr>
+        <p:blipFill>
+          <a:blip r:embed="rId2"/>
+          <a:stretch>
+            <a:fillRect/>
+          </a:stretch>
+        </p:blipFill>
+        <p:spPr>
+          <a:xfrm>
+            <a:off x="10503035" y="266724"/>
+            <a:ext cx="1079365" cy="380952"/>
+          </a:xfrm>
+          <a:prstGeom prst="rect">
+            <a:avLst/>
+          </a:prstGeom>
+        </p:spPr>
+      </p:pic>
     </p:spTree>
     <p:extLst>
       <p:ext uri="{BB962C8B-B14F-4D97-AF65-F5344CB8AC3E}">
@@ -6465,36 +6465,6 @@
           </a:p>
         </p:txBody>
       </p:sp>
-      <p:pic>
-        <p:nvPicPr>
-          <p:cNvPr id="25" name="Picture 24"/>
-          <p:cNvPicPr>
-            <a:picLocks noChangeAspect="1"/>
-          </p:cNvPicPr>
-          <p:nvPr userDrawn="1"/>
-        </p:nvPicPr>
-        <p:blipFill>
-          <a:blip r:embed="rId2">
-            <a:extLst>
-              <a:ext uri="{28A0092B-C50C-407E-A947-70E740481C1C}">
-                <a14:useLocalDpi xmlns:a14="http://schemas.microsoft.com/office/drawing/2010/main" val="0"/>
-              </a:ext>
-            </a:extLst>
-          </a:blip>
-          <a:stretch>
-            <a:fillRect/>
-          </a:stretch>
-        </p:blipFill>
-        <p:spPr>
-          <a:xfrm>
-            <a:off x="9578792" y="333532"/>
-            <a:ext cx="2003608" cy="247337"/>
-          </a:xfrm>
-          <a:prstGeom prst="rect">
-            <a:avLst/>
-          </a:prstGeom>
-        </p:spPr>
-      </p:pic>
       <p:sp>
         <p:nvSpPr>
           <p:cNvPr id="11" name="TextBox 10"/>
@@ -6720,6 +6690,36 @@
           </a:p>
         </p:txBody>
       </p:sp>
+      <p:pic>
+        <p:nvPicPr>
+          <p:cNvPr id="2" name="Picture 1">
+            <a:extLst>
+              <a:ext uri="{FF2B5EF4-FFF2-40B4-BE49-F238E27FC236}">
+                <a16:creationId xmlns:a16="http://schemas.microsoft.com/office/drawing/2014/main" id="{632249EE-6635-D49D-A43B-3AB443F23E2C}"/>
+              </a:ext>
+            </a:extLst>
+          </p:cNvPr>
+          <p:cNvPicPr>
+            <a:picLocks noChangeAspect="1"/>
+          </p:cNvPicPr>
+          <p:nvPr userDrawn="1"/>
+        </p:nvPicPr>
+        <p:blipFill>
+          <a:blip r:embed="rId2"/>
+          <a:stretch>
+            <a:fillRect/>
+          </a:stretch>
+        </p:blipFill>
+        <p:spPr>
+          <a:xfrm>
+            <a:off x="10503035" y="266724"/>
+            <a:ext cx="1079365" cy="380952"/>
+          </a:xfrm>
+          <a:prstGeom prst="rect">
+            <a:avLst/>
+          </a:prstGeom>
+        </p:spPr>
+      </p:pic>
     </p:spTree>
     <p:extLst>
       <p:ext uri="{BB962C8B-B14F-4D97-AF65-F5344CB8AC3E}">
@@ -6857,36 +6857,6 @@
           </a:p>
         </p:txBody>
       </p:sp>
-      <p:pic>
-        <p:nvPicPr>
-          <p:cNvPr id="25" name="Picture 24"/>
-          <p:cNvPicPr>
-            <a:picLocks noChangeAspect="1"/>
-          </p:cNvPicPr>
-          <p:nvPr userDrawn="1"/>
-        </p:nvPicPr>
-        <p:blipFill>
-          <a:blip r:embed="rId2">
-            <a:extLst>
-              <a:ext uri="{28A0092B-C50C-407E-A947-70E740481C1C}">
-                <a14:useLocalDpi xmlns:a14="http://schemas.microsoft.com/office/drawing/2010/main" val="0"/>
-              </a:ext>
-            </a:extLst>
-          </a:blip>
-          <a:stretch>
-            <a:fillRect/>
-          </a:stretch>
-        </p:blipFill>
-        <p:spPr>
-          <a:xfrm>
-            <a:off x="9578792" y="333532"/>
-            <a:ext cx="2003608" cy="247337"/>
-          </a:xfrm>
-          <a:prstGeom prst="rect">
-            <a:avLst/>
-          </a:prstGeom>
-        </p:spPr>
-      </p:pic>
       <p:sp>
         <p:nvSpPr>
           <p:cNvPr id="11" name="TextBox 10"/>
@@ -7112,6 +7082,36 @@
           </a:p>
         </p:txBody>
       </p:sp>
+      <p:pic>
+        <p:nvPicPr>
+          <p:cNvPr id="2" name="Picture 1">
+            <a:extLst>
+              <a:ext uri="{FF2B5EF4-FFF2-40B4-BE49-F238E27FC236}">
+                <a16:creationId xmlns:a16="http://schemas.microsoft.com/office/drawing/2014/main" id="{1FB0C5B3-BECD-BB0F-120A-C0EB534EDCE5}"/>
+              </a:ext>
+            </a:extLst>
+          </p:cNvPr>
+          <p:cNvPicPr>
+            <a:picLocks noChangeAspect="1"/>
+          </p:cNvPicPr>
+          <p:nvPr userDrawn="1"/>
+        </p:nvPicPr>
+        <p:blipFill>
+          <a:blip r:embed="rId2"/>
+          <a:stretch>
+            <a:fillRect/>
+          </a:stretch>
+        </p:blipFill>
+        <p:spPr>
+          <a:xfrm>
+            <a:off x="10503035" y="266724"/>
+            <a:ext cx="1079365" cy="380952"/>
+          </a:xfrm>
+          <a:prstGeom prst="rect">
+            <a:avLst/>
+          </a:prstGeom>
+        </p:spPr>
+      </p:pic>
     </p:spTree>
     <p:extLst>
       <p:ext uri="{BB962C8B-B14F-4D97-AF65-F5344CB8AC3E}">
@@ -7249,36 +7249,6 @@
           </a:p>
         </p:txBody>
       </p:sp>
-      <p:pic>
-        <p:nvPicPr>
-          <p:cNvPr id="28" name="Picture 27"/>
-          <p:cNvPicPr>
-            <a:picLocks noChangeAspect="1"/>
-          </p:cNvPicPr>
-          <p:nvPr userDrawn="1"/>
-        </p:nvPicPr>
-        <p:blipFill>
-          <a:blip r:embed="rId2">
-            <a:extLst>
-              <a:ext uri="{28A0092B-C50C-407E-A947-70E740481C1C}">
-                <a14:useLocalDpi xmlns:a14="http://schemas.microsoft.com/office/drawing/2010/main" val="0"/>
-              </a:ext>
-            </a:extLst>
-          </a:blip>
-          <a:stretch>
-            <a:fillRect/>
-          </a:stretch>
-        </p:blipFill>
-        <p:spPr>
-          <a:xfrm>
-            <a:off x="9578792" y="333532"/>
-            <a:ext cx="2003608" cy="247337"/>
-          </a:xfrm>
-          <a:prstGeom prst="rect">
-            <a:avLst/>
-          </a:prstGeom>
-        </p:spPr>
-      </p:pic>
       <p:sp>
         <p:nvSpPr>
           <p:cNvPr id="11" name="TextBox 10"/>
@@ -7504,6 +7474,36 @@
           </a:p>
         </p:txBody>
       </p:sp>
+      <p:pic>
+        <p:nvPicPr>
+          <p:cNvPr id="2" name="Picture 1">
+            <a:extLst>
+              <a:ext uri="{FF2B5EF4-FFF2-40B4-BE49-F238E27FC236}">
+                <a16:creationId xmlns:a16="http://schemas.microsoft.com/office/drawing/2014/main" id="{85CA8D66-76A4-21E0-9C9E-13B8E390C4A8}"/>
+              </a:ext>
+            </a:extLst>
+          </p:cNvPr>
+          <p:cNvPicPr>
+            <a:picLocks noChangeAspect="1"/>
+          </p:cNvPicPr>
+          <p:nvPr userDrawn="1"/>
+        </p:nvPicPr>
+        <p:blipFill>
+          <a:blip r:embed="rId2"/>
+          <a:stretch>
+            <a:fillRect/>
+          </a:stretch>
+        </p:blipFill>
+        <p:spPr>
+          <a:xfrm>
+            <a:off x="10503035" y="266724"/>
+            <a:ext cx="1079365" cy="380952"/>
+          </a:xfrm>
+          <a:prstGeom prst="rect">
+            <a:avLst/>
+          </a:prstGeom>
+        </p:spPr>
+      </p:pic>
     </p:spTree>
     <p:extLst>
       <p:ext uri="{BB962C8B-B14F-4D97-AF65-F5344CB8AC3E}">
@@ -7641,36 +7641,6 @@
           </a:p>
         </p:txBody>
       </p:sp>
-      <p:pic>
-        <p:nvPicPr>
-          <p:cNvPr id="25" name="Picture 24"/>
-          <p:cNvPicPr>
-            <a:picLocks noChangeAspect="1"/>
-          </p:cNvPicPr>
-          <p:nvPr userDrawn="1"/>
-        </p:nvPicPr>
-        <p:blipFill>
-          <a:blip r:embed="rId2">
-            <a:extLst>
-              <a:ext uri="{28A0092B-C50C-407E-A947-70E740481C1C}">
-                <a14:useLocalDpi xmlns:a14="http://schemas.microsoft.com/office/drawing/2010/main" val="0"/>
-              </a:ext>
-            </a:extLst>
-          </a:blip>
-          <a:stretch>
-            <a:fillRect/>
-          </a:stretch>
-        </p:blipFill>
-        <p:spPr>
-          <a:xfrm>
-            <a:off x="9578792" y="333532"/>
-            <a:ext cx="2003608" cy="247337"/>
-          </a:xfrm>
-          <a:prstGeom prst="rect">
-            <a:avLst/>
-          </a:prstGeom>
-        </p:spPr>
-      </p:pic>
       <p:sp>
         <p:nvSpPr>
           <p:cNvPr id="11" name="TextBox 10"/>
@@ -7890,6 +7860,36 @@
           </a:p>
         </p:txBody>
       </p:sp>
+      <p:pic>
+        <p:nvPicPr>
+          <p:cNvPr id="2" name="Picture 1">
+            <a:extLst>
+              <a:ext uri="{FF2B5EF4-FFF2-40B4-BE49-F238E27FC236}">
+                <a16:creationId xmlns:a16="http://schemas.microsoft.com/office/drawing/2014/main" id="{5A9BF2AB-C7C5-6FD9-09F8-2B74E230D396}"/>
+              </a:ext>
+            </a:extLst>
+          </p:cNvPr>
+          <p:cNvPicPr>
+            <a:picLocks noChangeAspect="1"/>
+          </p:cNvPicPr>
+          <p:nvPr userDrawn="1"/>
+        </p:nvPicPr>
+        <p:blipFill>
+          <a:blip r:embed="rId2"/>
+          <a:stretch>
+            <a:fillRect/>
+          </a:stretch>
+        </p:blipFill>
+        <p:spPr>
+          <a:xfrm>
+            <a:off x="10503035" y="266724"/>
+            <a:ext cx="1079365" cy="380952"/>
+          </a:xfrm>
+          <a:prstGeom prst="rect">
+            <a:avLst/>
+          </a:prstGeom>
+        </p:spPr>
+      </p:pic>
     </p:spTree>
     <p:extLst>
       <p:ext uri="{BB962C8B-B14F-4D97-AF65-F5344CB8AC3E}">
@@ -8027,36 +8027,6 @@
           </a:p>
         </p:txBody>
       </p:sp>
-      <p:pic>
-        <p:nvPicPr>
-          <p:cNvPr id="26" name="Picture 25"/>
-          <p:cNvPicPr>
-            <a:picLocks noChangeAspect="1"/>
-          </p:cNvPicPr>
-          <p:nvPr userDrawn="1"/>
-        </p:nvPicPr>
-        <p:blipFill>
-          <a:blip r:embed="rId2">
-            <a:extLst>
-              <a:ext uri="{28A0092B-C50C-407E-A947-70E740481C1C}">
-                <a14:useLocalDpi xmlns:a14="http://schemas.microsoft.com/office/drawing/2010/main" val="0"/>
-              </a:ext>
-            </a:extLst>
-          </a:blip>
-          <a:stretch>
-            <a:fillRect/>
-          </a:stretch>
-        </p:blipFill>
-        <p:spPr>
-          <a:xfrm>
-            <a:off x="9578792" y="333532"/>
-            <a:ext cx="2003608" cy="247337"/>
-          </a:xfrm>
-          <a:prstGeom prst="rect">
-            <a:avLst/>
-          </a:prstGeom>
-        </p:spPr>
-      </p:pic>
       <p:sp>
         <p:nvSpPr>
           <p:cNvPr id="11" name="TextBox 10"/>
@@ -8276,6 +8246,36 @@
           </a:p>
         </p:txBody>
       </p:sp>
+      <p:pic>
+        <p:nvPicPr>
+          <p:cNvPr id="3" name="Picture 2">
+            <a:extLst>
+              <a:ext uri="{FF2B5EF4-FFF2-40B4-BE49-F238E27FC236}">
+                <a16:creationId xmlns:a16="http://schemas.microsoft.com/office/drawing/2014/main" id="{1692E310-7E8F-5146-B6E0-59B3708AC34F}"/>
+              </a:ext>
+            </a:extLst>
+          </p:cNvPr>
+          <p:cNvPicPr>
+            <a:picLocks noChangeAspect="1"/>
+          </p:cNvPicPr>
+          <p:nvPr userDrawn="1"/>
+        </p:nvPicPr>
+        <p:blipFill>
+          <a:blip r:embed="rId2"/>
+          <a:stretch>
+            <a:fillRect/>
+          </a:stretch>
+        </p:blipFill>
+        <p:spPr>
+          <a:xfrm>
+            <a:off x="10503035" y="266724"/>
+            <a:ext cx="1079365" cy="380952"/>
+          </a:xfrm>
+          <a:prstGeom prst="rect">
+            <a:avLst/>
+          </a:prstGeom>
+        </p:spPr>
+      </p:pic>
     </p:spTree>
     <p:extLst>
       <p:ext uri="{BB962C8B-B14F-4D97-AF65-F5344CB8AC3E}">
@@ -8542,7 +8542,7 @@
           <a:p>
             <a:fld id="{B590C078-9131-4E49-8A0D-400FEE8377B5}" type="datetimeFigureOut">
               <a:rPr lang="en-US" smtClean="0"/>
-              <a:t>10/26/2021</a:t>
+              <a:t>3/10/2025</a:t>
             </a:fld>
             <a:endParaRPr lang="en-US"/>
           </a:p>
@@ -8854,31 +8854,6 @@
           </a:p>
         </p:txBody>
       </p:sp>
-      <p:pic>
-        <p:nvPicPr>
-          <p:cNvPr id="3" name="Picture 2" descr="CAST_grey_100_bl.jpg"/>
-          <p:cNvPicPr>
-            <a:picLocks noChangeAspect="1"/>
-          </p:cNvPicPr>
-          <p:nvPr userDrawn="1"/>
-        </p:nvPicPr>
-        <p:blipFill>
-          <a:blip r:embed="rId2" cstate="print"/>
-          <a:srcRect b="42816"/>
-          <a:stretch>
-            <a:fillRect/>
-          </a:stretch>
-        </p:blipFill>
-        <p:spPr>
-          <a:xfrm>
-            <a:off x="9579864" y="457200"/>
-            <a:ext cx="2002536" cy="222877"/>
-          </a:xfrm>
-          <a:prstGeom prst="rect">
-            <a:avLst/>
-          </a:prstGeom>
-        </p:spPr>
-      </p:pic>
       <p:sp>
         <p:nvSpPr>
           <p:cNvPr id="5" name="Rectangle 4"/>
@@ -10407,6 +10382,36 @@
           </a:p>
         </p:txBody>
       </p:sp>
+      <p:pic>
+        <p:nvPicPr>
+          <p:cNvPr id="11" name="Picture 10">
+            <a:extLst>
+              <a:ext uri="{FF2B5EF4-FFF2-40B4-BE49-F238E27FC236}">
+                <a16:creationId xmlns:a16="http://schemas.microsoft.com/office/drawing/2014/main" id="{0512C109-CCC7-82EF-E075-6EC61756CE1A}"/>
+              </a:ext>
+            </a:extLst>
+          </p:cNvPr>
+          <p:cNvPicPr>
+            <a:picLocks noChangeAspect="1"/>
+          </p:cNvPicPr>
+          <p:nvPr userDrawn="1"/>
+        </p:nvPicPr>
+        <p:blipFill>
+          <a:blip r:embed="rId2"/>
+          <a:stretch>
+            <a:fillRect/>
+          </a:stretch>
+        </p:blipFill>
+        <p:spPr>
+          <a:xfrm>
+            <a:off x="10503035" y="266724"/>
+            <a:ext cx="1079365" cy="380952"/>
+          </a:xfrm>
+          <a:prstGeom prst="rect">
+            <a:avLst/>
+          </a:prstGeom>
+        </p:spPr>
+      </p:pic>
     </p:spTree>
     <p:extLst>
       <p:ext uri="{BB962C8B-B14F-4D97-AF65-F5344CB8AC3E}">
@@ -10662,36 +10667,6 @@
           </a:p>
         </p:txBody>
       </p:sp>
-      <p:pic>
-        <p:nvPicPr>
-          <p:cNvPr id="8" name="Picture 7"/>
-          <p:cNvPicPr>
-            <a:picLocks noChangeAspect="1"/>
-          </p:cNvPicPr>
-          <p:nvPr userDrawn="1"/>
-        </p:nvPicPr>
-        <p:blipFill>
-          <a:blip r:embed="rId3">
-            <a:extLst>
-              <a:ext uri="{28A0092B-C50C-407E-A947-70E740481C1C}">
-                <a14:useLocalDpi xmlns:a14="http://schemas.microsoft.com/office/drawing/2010/main" val="0"/>
-              </a:ext>
-            </a:extLst>
-          </a:blip>
-          <a:stretch>
-            <a:fillRect/>
-          </a:stretch>
-        </p:blipFill>
-        <p:spPr>
-          <a:xfrm>
-            <a:off x="9578792" y="333532"/>
-            <a:ext cx="2003608" cy="247337"/>
-          </a:xfrm>
-          <a:prstGeom prst="rect">
-            <a:avLst/>
-          </a:prstGeom>
-        </p:spPr>
-      </p:pic>
       <p:sp>
         <p:nvSpPr>
           <p:cNvPr id="18" name="Text Placeholder 17"/>
@@ -10833,6 +10808,36 @@
           </a:p>
         </p:txBody>
       </p:sp>
+      <p:pic>
+        <p:nvPicPr>
+          <p:cNvPr id="2" name="Picture 1">
+            <a:extLst>
+              <a:ext uri="{FF2B5EF4-FFF2-40B4-BE49-F238E27FC236}">
+                <a16:creationId xmlns:a16="http://schemas.microsoft.com/office/drawing/2014/main" id="{AF5AA3BC-27DB-F9A4-3D8A-B6BF4B722C23}"/>
+              </a:ext>
+            </a:extLst>
+          </p:cNvPr>
+          <p:cNvPicPr>
+            <a:picLocks noChangeAspect="1"/>
+          </p:cNvPicPr>
+          <p:nvPr userDrawn="1"/>
+        </p:nvPicPr>
+        <p:blipFill>
+          <a:blip r:embed="rId3"/>
+          <a:stretch>
+            <a:fillRect/>
+          </a:stretch>
+        </p:blipFill>
+        <p:spPr>
+          <a:xfrm>
+            <a:off x="10503035" y="266724"/>
+            <a:ext cx="1079365" cy="380952"/>
+          </a:xfrm>
+          <a:prstGeom prst="rect">
+            <a:avLst/>
+          </a:prstGeom>
+        </p:spPr>
+      </p:pic>
     </p:spTree>
     <p:extLst>
       <p:ext uri="{BB962C8B-B14F-4D97-AF65-F5344CB8AC3E}">
@@ -11085,36 +11090,6 @@
           </a:p>
         </p:txBody>
       </p:sp>
-      <p:pic>
-        <p:nvPicPr>
-          <p:cNvPr id="8" name="Picture 7"/>
-          <p:cNvPicPr>
-            <a:picLocks noChangeAspect="1"/>
-          </p:cNvPicPr>
-          <p:nvPr userDrawn="1"/>
-        </p:nvPicPr>
-        <p:blipFill>
-          <a:blip r:embed="rId3">
-            <a:extLst>
-              <a:ext uri="{28A0092B-C50C-407E-A947-70E740481C1C}">
-                <a14:useLocalDpi xmlns:a14="http://schemas.microsoft.com/office/drawing/2010/main" val="0"/>
-              </a:ext>
-            </a:extLst>
-          </a:blip>
-          <a:stretch>
-            <a:fillRect/>
-          </a:stretch>
-        </p:blipFill>
-        <p:spPr>
-          <a:xfrm>
-            <a:off x="9578792" y="333532"/>
-            <a:ext cx="2003608" cy="247337"/>
-          </a:xfrm>
-          <a:prstGeom prst="rect">
-            <a:avLst/>
-          </a:prstGeom>
-        </p:spPr>
-      </p:pic>
       <p:sp>
         <p:nvSpPr>
           <p:cNvPr id="12" name="Text Placeholder 17"/>
@@ -11256,6 +11231,36 @@
           </a:p>
         </p:txBody>
       </p:sp>
+      <p:pic>
+        <p:nvPicPr>
+          <p:cNvPr id="2" name="Picture 1">
+            <a:extLst>
+              <a:ext uri="{FF2B5EF4-FFF2-40B4-BE49-F238E27FC236}">
+                <a16:creationId xmlns:a16="http://schemas.microsoft.com/office/drawing/2014/main" id="{AD46215B-658C-D9CC-2846-3FFA179125DF}"/>
+              </a:ext>
+            </a:extLst>
+          </p:cNvPr>
+          <p:cNvPicPr>
+            <a:picLocks noChangeAspect="1"/>
+          </p:cNvPicPr>
+          <p:nvPr userDrawn="1"/>
+        </p:nvPicPr>
+        <p:blipFill>
+          <a:blip r:embed="rId3"/>
+          <a:stretch>
+            <a:fillRect/>
+          </a:stretch>
+        </p:blipFill>
+        <p:spPr>
+          <a:xfrm>
+            <a:off x="10503035" y="266724"/>
+            <a:ext cx="1079365" cy="380952"/>
+          </a:xfrm>
+          <a:prstGeom prst="rect">
+            <a:avLst/>
+          </a:prstGeom>
+        </p:spPr>
+      </p:pic>
     </p:spTree>
     <p:extLst>
       <p:ext uri="{BB962C8B-B14F-4D97-AF65-F5344CB8AC3E}">
@@ -11506,36 +11511,6 @@
           </a:p>
         </p:txBody>
       </p:sp>
-      <p:pic>
-        <p:nvPicPr>
-          <p:cNvPr id="8" name="Picture 7"/>
-          <p:cNvPicPr>
-            <a:picLocks noChangeAspect="1"/>
-          </p:cNvPicPr>
-          <p:nvPr userDrawn="1"/>
-        </p:nvPicPr>
-        <p:blipFill>
-          <a:blip r:embed="rId3">
-            <a:extLst>
-              <a:ext uri="{28A0092B-C50C-407E-A947-70E740481C1C}">
-                <a14:useLocalDpi xmlns:a14="http://schemas.microsoft.com/office/drawing/2010/main" val="0"/>
-              </a:ext>
-            </a:extLst>
-          </a:blip>
-          <a:stretch>
-            <a:fillRect/>
-          </a:stretch>
-        </p:blipFill>
-        <p:spPr>
-          <a:xfrm>
-            <a:off x="9578792" y="333532"/>
-            <a:ext cx="2003608" cy="247337"/>
-          </a:xfrm>
-          <a:prstGeom prst="rect">
-            <a:avLst/>
-          </a:prstGeom>
-        </p:spPr>
-      </p:pic>
       <p:sp>
         <p:nvSpPr>
           <p:cNvPr id="11" name="Text Placeholder 17"/>
@@ -11677,6 +11652,36 @@
           </a:p>
         </p:txBody>
       </p:sp>
+      <p:pic>
+        <p:nvPicPr>
+          <p:cNvPr id="2" name="Picture 1">
+            <a:extLst>
+              <a:ext uri="{FF2B5EF4-FFF2-40B4-BE49-F238E27FC236}">
+                <a16:creationId xmlns:a16="http://schemas.microsoft.com/office/drawing/2014/main" id="{24903256-6D23-33FC-C1AA-137BF2981E9D}"/>
+              </a:ext>
+            </a:extLst>
+          </p:cNvPr>
+          <p:cNvPicPr>
+            <a:picLocks noChangeAspect="1"/>
+          </p:cNvPicPr>
+          <p:nvPr userDrawn="1"/>
+        </p:nvPicPr>
+        <p:blipFill>
+          <a:blip r:embed="rId3"/>
+          <a:stretch>
+            <a:fillRect/>
+          </a:stretch>
+        </p:blipFill>
+        <p:spPr>
+          <a:xfrm>
+            <a:off x="10503035" y="266724"/>
+            <a:ext cx="1079365" cy="380952"/>
+          </a:xfrm>
+          <a:prstGeom prst="rect">
+            <a:avLst/>
+          </a:prstGeom>
+        </p:spPr>
+      </p:pic>
     </p:spTree>
     <p:extLst>
       <p:ext uri="{BB962C8B-B14F-4D97-AF65-F5344CB8AC3E}">
@@ -11773,31 +11778,6 @@
           <a:chExt cx="0" cy="0"/>
         </a:xfrm>
       </p:grpSpPr>
-      <p:pic>
-        <p:nvPicPr>
-          <p:cNvPr id="3" name="Picture 2" descr="CAST_grey_100_bl.jpg"/>
-          <p:cNvPicPr>
-            <a:picLocks noChangeAspect="1"/>
-          </p:cNvPicPr>
-          <p:nvPr userDrawn="1"/>
-        </p:nvPicPr>
-        <p:blipFill>
-          <a:blip r:embed="rId2" cstate="print"/>
-          <a:srcRect b="42816"/>
-          <a:stretch>
-            <a:fillRect/>
-          </a:stretch>
-        </p:blipFill>
-        <p:spPr>
-          <a:xfrm>
-            <a:off x="9381148" y="333532"/>
-            <a:ext cx="2222308" cy="247337"/>
-          </a:xfrm>
-          <a:prstGeom prst="rect">
-            <a:avLst/>
-          </a:prstGeom>
-        </p:spPr>
-      </p:pic>
       <p:sp>
         <p:nvSpPr>
           <p:cNvPr id="4" name="Slide Number Placeholder 3"/>
@@ -11858,6 +11838,36 @@
           </a:p>
         </p:txBody>
       </p:sp>
+      <p:pic>
+        <p:nvPicPr>
+          <p:cNvPr id="2" name="Picture 1">
+            <a:extLst>
+              <a:ext uri="{FF2B5EF4-FFF2-40B4-BE49-F238E27FC236}">
+                <a16:creationId xmlns:a16="http://schemas.microsoft.com/office/drawing/2014/main" id="{398942B9-18BD-0024-3C46-93A8BBF88A70}"/>
+              </a:ext>
+            </a:extLst>
+          </p:cNvPr>
+          <p:cNvPicPr>
+            <a:picLocks noChangeAspect="1"/>
+          </p:cNvPicPr>
+          <p:nvPr userDrawn="1"/>
+        </p:nvPicPr>
+        <p:blipFill>
+          <a:blip r:embed="rId2"/>
+          <a:stretch>
+            <a:fillRect/>
+          </a:stretch>
+        </p:blipFill>
+        <p:spPr>
+          <a:xfrm>
+            <a:off x="10503035" y="266724"/>
+            <a:ext cx="1079365" cy="380952"/>
+          </a:xfrm>
+          <a:prstGeom prst="rect">
+            <a:avLst/>
+          </a:prstGeom>
+        </p:spPr>
+      </p:pic>
     </p:spTree>
     <p:extLst>
       <p:ext uri="{BB962C8B-B14F-4D97-AF65-F5344CB8AC3E}">
@@ -12111,36 +12121,6 @@
           </a:p>
         </p:txBody>
       </p:sp>
-      <p:pic>
-        <p:nvPicPr>
-          <p:cNvPr id="11" name="Picture 10"/>
-          <p:cNvPicPr>
-            <a:picLocks noChangeAspect="1"/>
-          </p:cNvPicPr>
-          <p:nvPr userDrawn="1"/>
-        </p:nvPicPr>
-        <p:blipFill>
-          <a:blip r:embed="rId2">
-            <a:extLst>
-              <a:ext uri="{28A0092B-C50C-407E-A947-70E740481C1C}">
-                <a14:useLocalDpi xmlns:a14="http://schemas.microsoft.com/office/drawing/2010/main" val="0"/>
-              </a:ext>
-            </a:extLst>
-          </a:blip>
-          <a:stretch>
-            <a:fillRect/>
-          </a:stretch>
-        </p:blipFill>
-        <p:spPr>
-          <a:xfrm>
-            <a:off x="9578792" y="333532"/>
-            <a:ext cx="2003608" cy="247337"/>
-          </a:xfrm>
-          <a:prstGeom prst="rect">
-            <a:avLst/>
-          </a:prstGeom>
-        </p:spPr>
-      </p:pic>
       <p:sp>
         <p:nvSpPr>
           <p:cNvPr id="9" name="Text Placeholder 7"/>
@@ -12203,6 +12183,36 @@
           </a:p>
         </p:txBody>
       </p:sp>
+      <p:pic>
+        <p:nvPicPr>
+          <p:cNvPr id="3" name="Picture 2">
+            <a:extLst>
+              <a:ext uri="{FF2B5EF4-FFF2-40B4-BE49-F238E27FC236}">
+                <a16:creationId xmlns:a16="http://schemas.microsoft.com/office/drawing/2014/main" id="{6E4A5349-E5D2-B185-8071-B030098CBDEC}"/>
+              </a:ext>
+            </a:extLst>
+          </p:cNvPr>
+          <p:cNvPicPr>
+            <a:picLocks noChangeAspect="1"/>
+          </p:cNvPicPr>
+          <p:nvPr userDrawn="1"/>
+        </p:nvPicPr>
+        <p:blipFill>
+          <a:blip r:embed="rId2"/>
+          <a:stretch>
+            <a:fillRect/>
+          </a:stretch>
+        </p:blipFill>
+        <p:spPr>
+          <a:xfrm>
+            <a:off x="10503035" y="266724"/>
+            <a:ext cx="1079365" cy="380952"/>
+          </a:xfrm>
+          <a:prstGeom prst="rect">
+            <a:avLst/>
+          </a:prstGeom>
+        </p:spPr>
+      </p:pic>
     </p:spTree>
     <p:extLst>
       <p:ext uri="{BB962C8B-B14F-4D97-AF65-F5344CB8AC3E}">
@@ -12367,7 +12377,7 @@
           <a:p>
             <a:fld id="{B590C078-9131-4E49-8A0D-400FEE8377B5}" type="datetimeFigureOut">
               <a:rPr lang="en-US" smtClean="0"/>
-              <a:t>10/26/2021</a:t>
+              <a:t>3/10/2025</a:t>
             </a:fld>
             <a:endParaRPr lang="en-US"/>
           </a:p>
